--- a/3.7 Assessment Resources 2020/3.7 3.8 portfolio.pptx
+++ b/3.7 Assessment Resources 2020/3.7 3.8 portfolio.pptx
@@ -8,48 +8,52 @@
     <p:sldId id="256" r:id="rId2"/>
     <p:sldId id="266" r:id="rId3"/>
     <p:sldId id="258" r:id="rId4"/>
-    <p:sldId id="259" r:id="rId5"/>
-    <p:sldId id="261" r:id="rId6"/>
-    <p:sldId id="291" r:id="rId7"/>
-    <p:sldId id="292" r:id="rId8"/>
-    <p:sldId id="293" r:id="rId9"/>
-    <p:sldId id="260" r:id="rId10"/>
-    <p:sldId id="263" r:id="rId11"/>
-    <p:sldId id="264" r:id="rId12"/>
-    <p:sldId id="265" r:id="rId13"/>
-    <p:sldId id="269" r:id="rId14"/>
-    <p:sldId id="267" r:id="rId15"/>
-    <p:sldId id="268" r:id="rId16"/>
-    <p:sldId id="270" r:id="rId17"/>
-    <p:sldId id="294" r:id="rId18"/>
-    <p:sldId id="280" r:id="rId19"/>
-    <p:sldId id="299" r:id="rId20"/>
-    <p:sldId id="300" r:id="rId21"/>
-    <p:sldId id="301" r:id="rId22"/>
-    <p:sldId id="271" r:id="rId23"/>
-    <p:sldId id="272" r:id="rId24"/>
-    <p:sldId id="281" r:id="rId25"/>
-    <p:sldId id="273" r:id="rId26"/>
-    <p:sldId id="282" r:id="rId27"/>
-    <p:sldId id="274" r:id="rId28"/>
-    <p:sldId id="283" r:id="rId29"/>
-    <p:sldId id="284" r:id="rId30"/>
-    <p:sldId id="285" r:id="rId31"/>
-    <p:sldId id="286" r:id="rId32"/>
-    <p:sldId id="276" r:id="rId33"/>
-    <p:sldId id="287" r:id="rId34"/>
-    <p:sldId id="277" r:id="rId35"/>
-    <p:sldId id="298" r:id="rId36"/>
-    <p:sldId id="295" r:id="rId37"/>
-    <p:sldId id="296" r:id="rId38"/>
-    <p:sldId id="297" r:id="rId39"/>
-    <p:sldId id="275" r:id="rId40"/>
-    <p:sldId id="289" r:id="rId41"/>
-    <p:sldId id="288" r:id="rId42"/>
-    <p:sldId id="278" r:id="rId43"/>
-    <p:sldId id="279" r:id="rId44"/>
-    <p:sldId id="302" r:id="rId45"/>
-    <p:sldId id="290" r:id="rId46"/>
+    <p:sldId id="303" r:id="rId5"/>
+    <p:sldId id="304" r:id="rId6"/>
+    <p:sldId id="305" r:id="rId7"/>
+    <p:sldId id="259" r:id="rId8"/>
+    <p:sldId id="306" r:id="rId9"/>
+    <p:sldId id="261" r:id="rId10"/>
+    <p:sldId id="291" r:id="rId11"/>
+    <p:sldId id="292" r:id="rId12"/>
+    <p:sldId id="293" r:id="rId13"/>
+    <p:sldId id="260" r:id="rId14"/>
+    <p:sldId id="263" r:id="rId15"/>
+    <p:sldId id="264" r:id="rId16"/>
+    <p:sldId id="265" r:id="rId17"/>
+    <p:sldId id="269" r:id="rId18"/>
+    <p:sldId id="267" r:id="rId19"/>
+    <p:sldId id="268" r:id="rId20"/>
+    <p:sldId id="270" r:id="rId21"/>
+    <p:sldId id="294" r:id="rId22"/>
+    <p:sldId id="280" r:id="rId23"/>
+    <p:sldId id="299" r:id="rId24"/>
+    <p:sldId id="300" r:id="rId25"/>
+    <p:sldId id="301" r:id="rId26"/>
+    <p:sldId id="271" r:id="rId27"/>
+    <p:sldId id="272" r:id="rId28"/>
+    <p:sldId id="281" r:id="rId29"/>
+    <p:sldId id="273" r:id="rId30"/>
+    <p:sldId id="282" r:id="rId31"/>
+    <p:sldId id="274" r:id="rId32"/>
+    <p:sldId id="283" r:id="rId33"/>
+    <p:sldId id="284" r:id="rId34"/>
+    <p:sldId id="285" r:id="rId35"/>
+    <p:sldId id="286" r:id="rId36"/>
+    <p:sldId id="276" r:id="rId37"/>
+    <p:sldId id="287" r:id="rId38"/>
+    <p:sldId id="277" r:id="rId39"/>
+    <p:sldId id="298" r:id="rId40"/>
+    <p:sldId id="295" r:id="rId41"/>
+    <p:sldId id="296" r:id="rId42"/>
+    <p:sldId id="297" r:id="rId43"/>
+    <p:sldId id="275" r:id="rId44"/>
+    <p:sldId id="289" r:id="rId45"/>
+    <p:sldId id="288" r:id="rId46"/>
+    <p:sldId id="278" r:id="rId47"/>
+    <p:sldId id="279" r:id="rId48"/>
+    <p:sldId id="302" r:id="rId49"/>
+    <p:sldId id="290" r:id="rId50"/>
   </p:sldIdLst>
   <p:sldSz cx="12192000" cy="6858000"/>
   <p:notesSz cx="6858000" cy="9144000"/>
@@ -8949,7 +8953,7 @@
           <a:p>
             <a:fld id="{F695AEDE-ECA8-48C1-ADAB-87079DD9874B}" type="datetimeFigureOut">
               <a:rPr lang="en-NZ" smtClean="0"/>
-              <a:t>28/08/2019</a:t>
+              <a:t>3/06/2020</a:t>
             </a:fld>
             <a:endParaRPr lang="en-NZ"/>
           </a:p>
@@ -9156,7 +9160,7 @@
           <a:p>
             <a:fld id="{F695AEDE-ECA8-48C1-ADAB-87079DD9874B}" type="datetimeFigureOut">
               <a:rPr lang="en-NZ" smtClean="0"/>
-              <a:t>28/08/2019</a:t>
+              <a:t>3/06/2020</a:t>
             </a:fld>
             <a:endParaRPr lang="en-NZ"/>
           </a:p>
@@ -9336,7 +9340,7 @@
           <a:p>
             <a:fld id="{F695AEDE-ECA8-48C1-ADAB-87079DD9874B}" type="datetimeFigureOut">
               <a:rPr lang="en-NZ" smtClean="0"/>
-              <a:t>28/08/2019</a:t>
+              <a:t>3/06/2020</a:t>
             </a:fld>
             <a:endParaRPr lang="en-NZ"/>
           </a:p>
@@ -9541,7 +9545,7 @@
           <a:p>
             <a:fld id="{F695AEDE-ECA8-48C1-ADAB-87079DD9874B}" type="datetimeFigureOut">
               <a:rPr lang="en-NZ" smtClean="0"/>
-              <a:t>28/08/2019</a:t>
+              <a:t>3/06/2020</a:t>
             </a:fld>
             <a:endParaRPr lang="en-NZ"/>
           </a:p>
@@ -18439,7 +18443,7 @@
           <a:p>
             <a:fld id="{F695AEDE-ECA8-48C1-ADAB-87079DD9874B}" type="datetimeFigureOut">
               <a:rPr lang="en-NZ" smtClean="0"/>
-              <a:t>28/08/2019</a:t>
+              <a:t>3/06/2020</a:t>
             </a:fld>
             <a:endParaRPr lang="en-NZ"/>
           </a:p>
@@ -18713,7 +18717,7 @@
           <a:p>
             <a:fld id="{F695AEDE-ECA8-48C1-ADAB-87079DD9874B}" type="datetimeFigureOut">
               <a:rPr lang="en-NZ" smtClean="0"/>
-              <a:t>28/08/2019</a:t>
+              <a:t>3/06/2020</a:t>
             </a:fld>
             <a:endParaRPr lang="en-NZ"/>
           </a:p>
@@ -19111,7 +19115,7 @@
           <a:p>
             <a:fld id="{F695AEDE-ECA8-48C1-ADAB-87079DD9874B}" type="datetimeFigureOut">
               <a:rPr lang="en-NZ" smtClean="0"/>
-              <a:t>28/08/2019</a:t>
+              <a:t>3/06/2020</a:t>
             </a:fld>
             <a:endParaRPr lang="en-NZ"/>
           </a:p>
@@ -19229,7 +19233,7 @@
           <a:p>
             <a:fld id="{F695AEDE-ECA8-48C1-ADAB-87079DD9874B}" type="datetimeFigureOut">
               <a:rPr lang="en-NZ" smtClean="0"/>
-              <a:t>28/08/2019</a:t>
+              <a:t>3/06/2020</a:t>
             </a:fld>
             <a:endParaRPr lang="en-NZ"/>
           </a:p>
@@ -19324,7 +19328,7 @@
           <a:p>
             <a:fld id="{F695AEDE-ECA8-48C1-ADAB-87079DD9874B}" type="datetimeFigureOut">
               <a:rPr lang="en-NZ" smtClean="0"/>
-              <a:t>28/08/2019</a:t>
+              <a:t>3/06/2020</a:t>
             </a:fld>
             <a:endParaRPr lang="en-NZ"/>
           </a:p>
@@ -19614,7 +19618,7 @@
           <a:p>
             <a:fld id="{F695AEDE-ECA8-48C1-ADAB-87079DD9874B}" type="datetimeFigureOut">
               <a:rPr lang="en-NZ" smtClean="0"/>
-              <a:t>28/08/2019</a:t>
+              <a:t>3/06/2020</a:t>
             </a:fld>
             <a:endParaRPr lang="en-NZ"/>
           </a:p>
@@ -19894,7 +19898,7 @@
           <a:p>
             <a:fld id="{F695AEDE-ECA8-48C1-ADAB-87079DD9874B}" type="datetimeFigureOut">
               <a:rPr lang="en-NZ" smtClean="0"/>
-              <a:t>28/08/2019</a:t>
+              <a:t>3/06/2020</a:t>
             </a:fld>
             <a:endParaRPr lang="en-NZ"/>
           </a:p>
@@ -20144,7 +20148,7 @@
           <a:p>
             <a:fld id="{F695AEDE-ECA8-48C1-ADAB-87079DD9874B}" type="datetimeFigureOut">
               <a:rPr lang="en-NZ" smtClean="0"/>
-              <a:t>28/08/2019</a:t>
+              <a:t>3/06/2020</a:t>
             </a:fld>
             <a:endParaRPr lang="en-NZ"/>
           </a:p>
@@ -20675,12 +20679,12 @@
               <a:rPr lang="en-US" b="1" dirty="0"/>
             </a:br>
             <a:r>
-              <a:rPr lang="en-US" b="1" dirty="0" err="1"/>
-              <a:t>ricky’s</a:t>
+              <a:rPr lang="en-US" b="1" dirty="0" smtClean="0"/>
+              <a:t>Kiwi </a:t>
             </a:r>
             <a:r>
-              <a:rPr lang="en-US" b="1" dirty="0"/>
-              <a:t> rides</a:t>
+              <a:rPr lang="en-US" b="1" dirty="0" err="1" smtClean="0"/>
+              <a:t>kars</a:t>
             </a:r>
             <a:endParaRPr lang="en-NZ" b="1" dirty="0"/>
           </a:p>
@@ -20712,8 +20716,19 @@
           <a:p>
             <a:r>
               <a:rPr lang="en-US" dirty="0"/>
-              <a:t>Portfolio for 3.7 / 3.8</a:t>
+              <a:t>Portfolio for 3.7 / </a:t>
             </a:r>
+            <a:r>
+              <a:rPr lang="en-US" dirty="0" smtClean="0"/>
+              <a:t>3.8</a:t>
+            </a:r>
+          </a:p>
+          <a:p>
+            <a:r>
+              <a:rPr lang="en-US" dirty="0" smtClean="0"/>
+              <a:t>Callum Cooper</a:t>
+            </a:r>
+            <a:endParaRPr lang="en-US" dirty="0"/>
           </a:p>
         </p:txBody>
       </p:sp>
@@ -20731,6 +20746,341 @@
 </file>
 
 <file path=ppt/slides/slide10.xml><?xml version="1.0" encoding="utf-8"?>
+<p:sld xmlns:a="http://schemas.openxmlformats.org/drawingml/2006/main" xmlns:r="http://schemas.openxmlformats.org/officeDocument/2006/relationships" xmlns:p="http://schemas.openxmlformats.org/presentationml/2006/main">
+  <p:cSld>
+    <p:spTree>
+      <p:nvGrpSpPr>
+        <p:cNvPr id="1" name=""/>
+        <p:cNvGrpSpPr/>
+        <p:nvPr/>
+      </p:nvGrpSpPr>
+      <p:grpSpPr>
+        <a:xfrm>
+          <a:off x="0" y="0"/>
+          <a:ext cx="0" cy="0"/>
+          <a:chOff x="0" y="0"/>
+          <a:chExt cx="0" cy="0"/>
+        </a:xfrm>
+      </p:grpSpPr>
+      <p:sp>
+        <p:nvSpPr>
+          <p:cNvPr id="2" name="Title 1">
+            <a:extLst>
+              <a:ext uri="{FF2B5EF4-FFF2-40B4-BE49-F238E27FC236}">
+                <a16:creationId xmlns:a16="http://schemas.microsoft.com/office/drawing/2014/main" id="{2D7C484E-E985-4173-AC0F-AC46CC409D1E}"/>
+              </a:ext>
+            </a:extLst>
+          </p:cNvPr>
+          <p:cNvSpPr>
+            <a:spLocks noGrp="1"/>
+          </p:cNvSpPr>
+          <p:nvPr>
+            <p:ph type="title"/>
+          </p:nvPr>
+        </p:nvSpPr>
+        <p:spPr/>
+        <p:txBody>
+          <a:bodyPr/>
+          <a:lstStyle/>
+          <a:p>
+            <a:r>
+              <a:rPr lang="en-NZ" b="1" dirty="0"/>
+              <a:t>PROJECT MANAGEMENT TOOL: TRELLO</a:t>
+            </a:r>
+          </a:p>
+        </p:txBody>
+      </p:sp>
+      <p:sp>
+        <p:nvSpPr>
+          <p:cNvPr id="3" name="Content Placeholder 2">
+            <a:extLst>
+              <a:ext uri="{FF2B5EF4-FFF2-40B4-BE49-F238E27FC236}">
+                <a16:creationId xmlns:a16="http://schemas.microsoft.com/office/drawing/2014/main" id="{D30F3F0B-4FE5-4544-BDEB-B8B69A17CD26}"/>
+              </a:ext>
+            </a:extLst>
+          </p:cNvPr>
+          <p:cNvSpPr>
+            <a:spLocks noGrp="1"/>
+          </p:cNvSpPr>
+          <p:nvPr>
+            <p:ph idx="1"/>
+          </p:nvPr>
+        </p:nvSpPr>
+        <p:spPr/>
+        <p:txBody>
+          <a:bodyPr/>
+          <a:lstStyle/>
+          <a:p>
+            <a:endParaRPr lang="en-NZ"/>
+          </a:p>
+        </p:txBody>
+      </p:sp>
+    </p:spTree>
+    <p:extLst>
+      <p:ext uri="{BB962C8B-B14F-4D97-AF65-F5344CB8AC3E}">
+        <p14:creationId xmlns:p14="http://schemas.microsoft.com/office/powerpoint/2010/main" val="185506057"/>
+      </p:ext>
+    </p:extLst>
+  </p:cSld>
+  <p:clrMapOvr>
+    <a:masterClrMapping/>
+  </p:clrMapOvr>
+</p:sld>
+</file>
+
+<file path=ppt/slides/slide11.xml><?xml version="1.0" encoding="utf-8"?>
+<p:sld xmlns:a="http://schemas.openxmlformats.org/drawingml/2006/main" xmlns:r="http://schemas.openxmlformats.org/officeDocument/2006/relationships" xmlns:p="http://schemas.openxmlformats.org/presentationml/2006/main">
+  <p:cSld>
+    <p:spTree>
+      <p:nvGrpSpPr>
+        <p:cNvPr id="1" name=""/>
+        <p:cNvGrpSpPr/>
+        <p:nvPr/>
+      </p:nvGrpSpPr>
+      <p:grpSpPr>
+        <a:xfrm>
+          <a:off x="0" y="0"/>
+          <a:ext cx="0" cy="0"/>
+          <a:chOff x="0" y="0"/>
+          <a:chExt cx="0" cy="0"/>
+        </a:xfrm>
+      </p:grpSpPr>
+      <p:sp>
+        <p:nvSpPr>
+          <p:cNvPr id="2" name="Title 1">
+            <a:extLst>
+              <a:ext uri="{FF2B5EF4-FFF2-40B4-BE49-F238E27FC236}">
+                <a16:creationId xmlns:a16="http://schemas.microsoft.com/office/drawing/2014/main" id="{2D7C484E-E985-4173-AC0F-AC46CC409D1E}"/>
+              </a:ext>
+            </a:extLst>
+          </p:cNvPr>
+          <p:cNvSpPr>
+            <a:spLocks noGrp="1"/>
+          </p:cNvSpPr>
+          <p:nvPr>
+            <p:ph type="title"/>
+          </p:nvPr>
+        </p:nvSpPr>
+        <p:spPr/>
+        <p:txBody>
+          <a:bodyPr/>
+          <a:lstStyle/>
+          <a:p>
+            <a:r>
+              <a:rPr lang="en-NZ" b="1" dirty="0"/>
+              <a:t>PROJECT MANAGEMENT TOOL: TRELLO</a:t>
+            </a:r>
+          </a:p>
+        </p:txBody>
+      </p:sp>
+      <p:sp>
+        <p:nvSpPr>
+          <p:cNvPr id="3" name="Content Placeholder 2">
+            <a:extLst>
+              <a:ext uri="{FF2B5EF4-FFF2-40B4-BE49-F238E27FC236}">
+                <a16:creationId xmlns:a16="http://schemas.microsoft.com/office/drawing/2014/main" id="{D30F3F0B-4FE5-4544-BDEB-B8B69A17CD26}"/>
+              </a:ext>
+            </a:extLst>
+          </p:cNvPr>
+          <p:cNvSpPr>
+            <a:spLocks noGrp="1"/>
+          </p:cNvSpPr>
+          <p:nvPr>
+            <p:ph idx="1"/>
+          </p:nvPr>
+        </p:nvSpPr>
+        <p:spPr/>
+        <p:txBody>
+          <a:bodyPr/>
+          <a:lstStyle/>
+          <a:p>
+            <a:endParaRPr lang="en-NZ"/>
+          </a:p>
+        </p:txBody>
+      </p:sp>
+    </p:spTree>
+    <p:extLst>
+      <p:ext uri="{BB962C8B-B14F-4D97-AF65-F5344CB8AC3E}">
+        <p14:creationId xmlns:p14="http://schemas.microsoft.com/office/powerpoint/2010/main" val="51870952"/>
+      </p:ext>
+    </p:extLst>
+  </p:cSld>
+  <p:clrMapOvr>
+    <a:masterClrMapping/>
+  </p:clrMapOvr>
+</p:sld>
+</file>
+
+<file path=ppt/slides/slide12.xml><?xml version="1.0" encoding="utf-8"?>
+<p:sld xmlns:a="http://schemas.openxmlformats.org/drawingml/2006/main" xmlns:r="http://schemas.openxmlformats.org/officeDocument/2006/relationships" xmlns:p="http://schemas.openxmlformats.org/presentationml/2006/main">
+  <p:cSld>
+    <p:spTree>
+      <p:nvGrpSpPr>
+        <p:cNvPr id="1" name=""/>
+        <p:cNvGrpSpPr/>
+        <p:nvPr/>
+      </p:nvGrpSpPr>
+      <p:grpSpPr>
+        <a:xfrm>
+          <a:off x="0" y="0"/>
+          <a:ext cx="0" cy="0"/>
+          <a:chOff x="0" y="0"/>
+          <a:chExt cx="0" cy="0"/>
+        </a:xfrm>
+      </p:grpSpPr>
+      <p:sp>
+        <p:nvSpPr>
+          <p:cNvPr id="2" name="Title 1">
+            <a:extLst>
+              <a:ext uri="{FF2B5EF4-FFF2-40B4-BE49-F238E27FC236}">
+                <a16:creationId xmlns:a16="http://schemas.microsoft.com/office/drawing/2014/main" id="{2D7C484E-E985-4173-AC0F-AC46CC409D1E}"/>
+              </a:ext>
+            </a:extLst>
+          </p:cNvPr>
+          <p:cNvSpPr>
+            <a:spLocks noGrp="1"/>
+          </p:cNvSpPr>
+          <p:nvPr>
+            <p:ph type="title"/>
+          </p:nvPr>
+        </p:nvSpPr>
+        <p:spPr/>
+        <p:txBody>
+          <a:bodyPr/>
+          <a:lstStyle/>
+          <a:p>
+            <a:endParaRPr lang="en-NZ" b="1" dirty="0"/>
+          </a:p>
+        </p:txBody>
+      </p:sp>
+      <p:sp>
+        <p:nvSpPr>
+          <p:cNvPr id="3" name="Content Placeholder 2">
+            <a:extLst>
+              <a:ext uri="{FF2B5EF4-FFF2-40B4-BE49-F238E27FC236}">
+                <a16:creationId xmlns:a16="http://schemas.microsoft.com/office/drawing/2014/main" id="{D30F3F0B-4FE5-4544-BDEB-B8B69A17CD26}"/>
+              </a:ext>
+            </a:extLst>
+          </p:cNvPr>
+          <p:cNvSpPr>
+            <a:spLocks noGrp="1"/>
+          </p:cNvSpPr>
+          <p:nvPr>
+            <p:ph idx="1"/>
+          </p:nvPr>
+        </p:nvSpPr>
+        <p:spPr/>
+        <p:txBody>
+          <a:bodyPr/>
+          <a:lstStyle/>
+          <a:p>
+            <a:endParaRPr lang="en-NZ"/>
+          </a:p>
+        </p:txBody>
+      </p:sp>
+    </p:spTree>
+    <p:extLst>
+      <p:ext uri="{BB962C8B-B14F-4D97-AF65-F5344CB8AC3E}">
+        <p14:creationId xmlns:p14="http://schemas.microsoft.com/office/powerpoint/2010/main" val="771824255"/>
+      </p:ext>
+    </p:extLst>
+  </p:cSld>
+  <p:clrMapOvr>
+    <a:masterClrMapping/>
+  </p:clrMapOvr>
+</p:sld>
+</file>
+
+<file path=ppt/slides/slide13.xml><?xml version="1.0" encoding="utf-8"?>
+<p:sld xmlns:a="http://schemas.openxmlformats.org/drawingml/2006/main" xmlns:r="http://schemas.openxmlformats.org/officeDocument/2006/relationships" xmlns:p="http://schemas.openxmlformats.org/presentationml/2006/main">
+  <p:cSld>
+    <p:spTree>
+      <p:nvGrpSpPr>
+        <p:cNvPr id="1" name=""/>
+        <p:cNvGrpSpPr/>
+        <p:nvPr/>
+      </p:nvGrpSpPr>
+      <p:grpSpPr>
+        <a:xfrm>
+          <a:off x="0" y="0"/>
+          <a:ext cx="0" cy="0"/>
+          <a:chOff x="0" y="0"/>
+          <a:chExt cx="0" cy="0"/>
+        </a:xfrm>
+      </p:grpSpPr>
+      <p:sp>
+        <p:nvSpPr>
+          <p:cNvPr id="2" name="Title 1">
+            <a:extLst>
+              <a:ext uri="{FF2B5EF4-FFF2-40B4-BE49-F238E27FC236}">
+                <a16:creationId xmlns:a16="http://schemas.microsoft.com/office/drawing/2014/main" id="{16592DDA-3CDE-4D98-AA3D-36A77B4884E2}"/>
+              </a:ext>
+            </a:extLst>
+          </p:cNvPr>
+          <p:cNvSpPr>
+            <a:spLocks noGrp="1"/>
+          </p:cNvSpPr>
+          <p:nvPr>
+            <p:ph type="title"/>
+          </p:nvPr>
+        </p:nvSpPr>
+        <p:spPr>
+          <a:xfrm>
+            <a:off x="1024128" y="585216"/>
+            <a:ext cx="10184342" cy="1499616"/>
+          </a:xfrm>
+        </p:spPr>
+        <p:txBody>
+          <a:bodyPr/>
+          <a:lstStyle/>
+          <a:p>
+            <a:r>
+              <a:rPr lang="en-US" b="1" dirty="0"/>
+              <a:t>Step 2:Ideate (high fidelity wireframe)</a:t>
+            </a:r>
+            <a:endParaRPr lang="en-NZ" b="1" dirty="0"/>
+          </a:p>
+        </p:txBody>
+      </p:sp>
+      <p:sp>
+        <p:nvSpPr>
+          <p:cNvPr id="3" name="Content Placeholder 2">
+            <a:extLst>
+              <a:ext uri="{FF2B5EF4-FFF2-40B4-BE49-F238E27FC236}">
+                <a16:creationId xmlns:a16="http://schemas.microsoft.com/office/drawing/2014/main" id="{5E6F4721-4A1E-4841-99B8-571CA3074920}"/>
+              </a:ext>
+            </a:extLst>
+          </p:cNvPr>
+          <p:cNvSpPr>
+            <a:spLocks noGrp="1"/>
+          </p:cNvSpPr>
+          <p:nvPr>
+            <p:ph idx="1"/>
+          </p:nvPr>
+        </p:nvSpPr>
+        <p:spPr/>
+        <p:txBody>
+          <a:bodyPr/>
+          <a:lstStyle/>
+          <a:p>
+            <a:endParaRPr lang="en-NZ" dirty="0"/>
+          </a:p>
+        </p:txBody>
+      </p:sp>
+    </p:spTree>
+    <p:extLst>
+      <p:ext uri="{BB962C8B-B14F-4D97-AF65-F5344CB8AC3E}">
+        <p14:creationId xmlns:p14="http://schemas.microsoft.com/office/powerpoint/2010/main" val="2816204907"/>
+      </p:ext>
+    </p:extLst>
+  </p:cSld>
+  <p:clrMapOvr>
+    <a:masterClrMapping/>
+  </p:clrMapOvr>
+</p:sld>
+</file>
+
+<file path=ppt/slides/slide14.xml><?xml version="1.0" encoding="utf-8"?>
 <p:sld xmlns:a="http://schemas.openxmlformats.org/drawingml/2006/main" xmlns:r="http://schemas.openxmlformats.org/officeDocument/2006/relationships" xmlns:p="http://schemas.openxmlformats.org/presentationml/2006/main">
   <p:cSld>
     <p:spTree>
@@ -20814,7 +21164,7 @@
 </p:sld>
 </file>
 
-<file path=ppt/slides/slide11.xml><?xml version="1.0" encoding="utf-8"?>
+<file path=ppt/slides/slide15.xml><?xml version="1.0" encoding="utf-8"?>
 <p:sld xmlns:a="http://schemas.openxmlformats.org/drawingml/2006/main" xmlns:r="http://schemas.openxmlformats.org/officeDocument/2006/relationships" xmlns:p="http://schemas.openxmlformats.org/presentationml/2006/main">
   <p:cSld>
     <p:spTree>
@@ -20898,7 +21248,7 @@
 </p:sld>
 </file>
 
-<file path=ppt/slides/slide12.xml><?xml version="1.0" encoding="utf-8"?>
+<file path=ppt/slides/slide16.xml><?xml version="1.0" encoding="utf-8"?>
 <p:sld xmlns:a="http://schemas.openxmlformats.org/drawingml/2006/main" xmlns:r="http://schemas.openxmlformats.org/officeDocument/2006/relationships" xmlns:p="http://schemas.openxmlformats.org/presentationml/2006/main">
   <p:cSld>
     <p:spTree>
@@ -20982,7 +21332,7 @@
 </p:sld>
 </file>
 
-<file path=ppt/slides/slide13.xml><?xml version="1.0" encoding="utf-8"?>
+<file path=ppt/slides/slide17.xml><?xml version="1.0" encoding="utf-8"?>
 <p:sld xmlns:a="http://schemas.openxmlformats.org/drawingml/2006/main" xmlns:r="http://schemas.openxmlformats.org/officeDocument/2006/relationships" xmlns:p="http://schemas.openxmlformats.org/presentationml/2006/main">
   <p:cSld>
     <p:spTree>
@@ -21075,7 +21425,7 @@
 </p:sld>
 </file>
 
-<file path=ppt/slides/slide14.xml><?xml version="1.0" encoding="utf-8"?>
+<file path=ppt/slides/slide18.xml><?xml version="1.0" encoding="utf-8"?>
 <p:sld xmlns:a="http://schemas.openxmlformats.org/drawingml/2006/main" xmlns:r="http://schemas.openxmlformats.org/officeDocument/2006/relationships" xmlns:p="http://schemas.openxmlformats.org/presentationml/2006/main">
   <p:cSld>
     <p:spTree>
@@ -21159,7 +21509,7 @@
 </p:sld>
 </file>
 
-<file path=ppt/slides/slide15.xml><?xml version="1.0" encoding="utf-8"?>
+<file path=ppt/slides/slide19.xml><?xml version="1.0" encoding="utf-8"?>
 <p:sld xmlns:a="http://schemas.openxmlformats.org/drawingml/2006/main" xmlns:r="http://schemas.openxmlformats.org/officeDocument/2006/relationships" xmlns:p="http://schemas.openxmlformats.org/presentationml/2006/main">
   <p:cSld>
     <p:spTree>
@@ -21234,323 +21584,6 @@
     <p:extLst>
       <p:ext uri="{BB962C8B-B14F-4D97-AF65-F5344CB8AC3E}">
         <p14:creationId xmlns:p14="http://schemas.microsoft.com/office/powerpoint/2010/main" val="1757052205"/>
-      </p:ext>
-    </p:extLst>
-  </p:cSld>
-  <p:clrMapOvr>
-    <a:masterClrMapping/>
-  </p:clrMapOvr>
-</p:sld>
-</file>
-
-<file path=ppt/slides/slide16.xml><?xml version="1.0" encoding="utf-8"?>
-<p:sld xmlns:a="http://schemas.openxmlformats.org/drawingml/2006/main" xmlns:r="http://schemas.openxmlformats.org/officeDocument/2006/relationships" xmlns:p="http://schemas.openxmlformats.org/presentationml/2006/main">
-  <p:cSld>
-    <p:spTree>
-      <p:nvGrpSpPr>
-        <p:cNvPr id="1" name=""/>
-        <p:cNvGrpSpPr/>
-        <p:nvPr/>
-      </p:nvGrpSpPr>
-      <p:grpSpPr>
-        <a:xfrm>
-          <a:off x="0" y="0"/>
-          <a:ext cx="0" cy="0"/>
-          <a:chOff x="0" y="0"/>
-          <a:chExt cx="0" cy="0"/>
-        </a:xfrm>
-      </p:grpSpPr>
-      <p:sp>
-        <p:nvSpPr>
-          <p:cNvPr id="2" name="Title 1">
-            <a:extLst>
-              <a:ext uri="{FF2B5EF4-FFF2-40B4-BE49-F238E27FC236}">
-                <a16:creationId xmlns:a16="http://schemas.microsoft.com/office/drawing/2014/main" id="{69A4C2F2-DAF9-4E58-8717-1856E1896FC8}"/>
-              </a:ext>
-            </a:extLst>
-          </p:cNvPr>
-          <p:cNvSpPr>
-            <a:spLocks noGrp="1"/>
-          </p:cNvSpPr>
-          <p:nvPr>
-            <p:ph type="title"/>
-          </p:nvPr>
-        </p:nvSpPr>
-        <p:spPr/>
-        <p:txBody>
-          <a:bodyPr/>
-          <a:lstStyle/>
-          <a:p>
-            <a:r>
-              <a:rPr lang="en-US" b="1" dirty="0"/>
-              <a:t>Trialing inputs</a:t>
-            </a:r>
-            <a:endParaRPr lang="en-NZ" b="1" dirty="0"/>
-          </a:p>
-        </p:txBody>
-      </p:sp>
-      <p:sp>
-        <p:nvSpPr>
-          <p:cNvPr id="3" name="Content Placeholder 2">
-            <a:extLst>
-              <a:ext uri="{FF2B5EF4-FFF2-40B4-BE49-F238E27FC236}">
-                <a16:creationId xmlns:a16="http://schemas.microsoft.com/office/drawing/2014/main" id="{1E4A30C7-F62B-4E68-B4EE-D00741CA74BD}"/>
-              </a:ext>
-            </a:extLst>
-          </p:cNvPr>
-          <p:cNvSpPr>
-            <a:spLocks noGrp="1"/>
-          </p:cNvSpPr>
-          <p:nvPr>
-            <p:ph idx="1"/>
-          </p:nvPr>
-        </p:nvSpPr>
-        <p:spPr/>
-        <p:txBody>
-          <a:bodyPr/>
-          <a:lstStyle/>
-          <a:p>
-            <a:endParaRPr lang="en-NZ"/>
-          </a:p>
-        </p:txBody>
-      </p:sp>
-    </p:spTree>
-    <p:extLst>
-      <p:ext uri="{BB962C8B-B14F-4D97-AF65-F5344CB8AC3E}">
-        <p14:creationId xmlns:p14="http://schemas.microsoft.com/office/powerpoint/2010/main" val="3741938304"/>
-      </p:ext>
-    </p:extLst>
-  </p:cSld>
-  <p:clrMapOvr>
-    <a:masterClrMapping/>
-  </p:clrMapOvr>
-</p:sld>
-</file>
-
-<file path=ppt/slides/slide17.xml><?xml version="1.0" encoding="utf-8"?>
-<p:sld xmlns:a="http://schemas.openxmlformats.org/drawingml/2006/main" xmlns:r="http://schemas.openxmlformats.org/officeDocument/2006/relationships" xmlns:p="http://schemas.openxmlformats.org/presentationml/2006/main">
-  <p:cSld>
-    <p:spTree>
-      <p:nvGrpSpPr>
-        <p:cNvPr id="1" name=""/>
-        <p:cNvGrpSpPr/>
-        <p:nvPr/>
-      </p:nvGrpSpPr>
-      <p:grpSpPr>
-        <a:xfrm>
-          <a:off x="0" y="0"/>
-          <a:ext cx="0" cy="0"/>
-          <a:chOff x="0" y="0"/>
-          <a:chExt cx="0" cy="0"/>
-        </a:xfrm>
-      </p:grpSpPr>
-      <p:sp>
-        <p:nvSpPr>
-          <p:cNvPr id="5" name="Content Placeholder 4">
-            <a:extLst>
-              <a:ext uri="{FF2B5EF4-FFF2-40B4-BE49-F238E27FC236}">
-                <a16:creationId xmlns:a16="http://schemas.microsoft.com/office/drawing/2014/main" id="{6AAF0252-04A0-4426-9AD8-19424295094E}"/>
-              </a:ext>
-            </a:extLst>
-          </p:cNvPr>
-          <p:cNvSpPr>
-            <a:spLocks noGrp="1"/>
-          </p:cNvSpPr>
-          <p:nvPr>
-            <p:ph idx="1"/>
-          </p:nvPr>
-        </p:nvSpPr>
-        <p:spPr>
-          <a:xfrm>
-            <a:off x="1024128" y="527901"/>
-            <a:ext cx="9720073" cy="5781459"/>
-          </a:xfrm>
-        </p:spPr>
-        <p:txBody>
-          <a:bodyPr>
-            <a:normAutofit/>
-          </a:bodyPr>
-          <a:lstStyle/>
-          <a:p>
-            <a:pPr algn="ctr"/>
-            <a:r>
-              <a:rPr lang="en-NZ" sz="5400" dirty="0"/>
-              <a:t>Every LESSON – TAKE A SCREENSHOT OF YOU USING YOUR TRELLO BOARD – ADDING NOTES TO YOUR CARDS ETC AND A SCREENSHOT OF YOUR CODE AND GUI</a:t>
-            </a:r>
-          </a:p>
-        </p:txBody>
-      </p:sp>
-    </p:spTree>
-    <p:extLst>
-      <p:ext uri="{BB962C8B-B14F-4D97-AF65-F5344CB8AC3E}">
-        <p14:creationId xmlns:p14="http://schemas.microsoft.com/office/powerpoint/2010/main" val="3902136989"/>
-      </p:ext>
-    </p:extLst>
-  </p:cSld>
-  <p:clrMapOvr>
-    <a:masterClrMapping/>
-  </p:clrMapOvr>
-</p:sld>
-</file>
-
-<file path=ppt/slides/slide18.xml><?xml version="1.0" encoding="utf-8"?>
-<p:sld xmlns:a="http://schemas.openxmlformats.org/drawingml/2006/main" xmlns:r="http://schemas.openxmlformats.org/officeDocument/2006/relationships" xmlns:p="http://schemas.openxmlformats.org/presentationml/2006/main">
-  <p:cSld>
-    <p:spTree>
-      <p:nvGrpSpPr>
-        <p:cNvPr id="1" name=""/>
-        <p:cNvGrpSpPr/>
-        <p:nvPr/>
-      </p:nvGrpSpPr>
-      <p:grpSpPr>
-        <a:xfrm>
-          <a:off x="0" y="0"/>
-          <a:ext cx="0" cy="0"/>
-          <a:chOff x="0" y="0"/>
-          <a:chExt cx="0" cy="0"/>
-        </a:xfrm>
-      </p:grpSpPr>
-      <p:sp>
-        <p:nvSpPr>
-          <p:cNvPr id="2" name="Title 1">
-            <a:extLst>
-              <a:ext uri="{FF2B5EF4-FFF2-40B4-BE49-F238E27FC236}">
-                <a16:creationId xmlns:a16="http://schemas.microsoft.com/office/drawing/2014/main" id="{69A4C2F2-DAF9-4E58-8717-1856E1896FC8}"/>
-              </a:ext>
-            </a:extLst>
-          </p:cNvPr>
-          <p:cNvSpPr>
-            <a:spLocks noGrp="1"/>
-          </p:cNvSpPr>
-          <p:nvPr>
-            <p:ph type="title"/>
-          </p:nvPr>
-        </p:nvSpPr>
-        <p:spPr/>
-        <p:txBody>
-          <a:bodyPr/>
-          <a:lstStyle/>
-          <a:p>
-            <a:r>
-              <a:rPr lang="en-US" b="1" dirty="0"/>
-              <a:t>Trialing inputs</a:t>
-            </a:r>
-            <a:endParaRPr lang="en-NZ" b="1" dirty="0"/>
-          </a:p>
-        </p:txBody>
-      </p:sp>
-      <p:sp>
-        <p:nvSpPr>
-          <p:cNvPr id="3" name="Content Placeholder 2">
-            <a:extLst>
-              <a:ext uri="{FF2B5EF4-FFF2-40B4-BE49-F238E27FC236}">
-                <a16:creationId xmlns:a16="http://schemas.microsoft.com/office/drawing/2014/main" id="{1E4A30C7-F62B-4E68-B4EE-D00741CA74BD}"/>
-              </a:ext>
-            </a:extLst>
-          </p:cNvPr>
-          <p:cNvSpPr>
-            <a:spLocks noGrp="1"/>
-          </p:cNvSpPr>
-          <p:nvPr>
-            <p:ph idx="1"/>
-          </p:nvPr>
-        </p:nvSpPr>
-        <p:spPr/>
-        <p:txBody>
-          <a:bodyPr/>
-          <a:lstStyle/>
-          <a:p>
-            <a:endParaRPr lang="en-NZ"/>
-          </a:p>
-        </p:txBody>
-      </p:sp>
-    </p:spTree>
-    <p:extLst>
-      <p:ext uri="{BB962C8B-B14F-4D97-AF65-F5344CB8AC3E}">
-        <p14:creationId xmlns:p14="http://schemas.microsoft.com/office/powerpoint/2010/main" val="879569738"/>
-      </p:ext>
-    </p:extLst>
-  </p:cSld>
-  <p:clrMapOvr>
-    <a:masterClrMapping/>
-  </p:clrMapOvr>
-</p:sld>
-</file>
-
-<file path=ppt/slides/slide19.xml><?xml version="1.0" encoding="utf-8"?>
-<p:sld xmlns:a="http://schemas.openxmlformats.org/drawingml/2006/main" xmlns:r="http://schemas.openxmlformats.org/officeDocument/2006/relationships" xmlns:p="http://schemas.openxmlformats.org/presentationml/2006/main">
-  <p:cSld>
-    <p:spTree>
-      <p:nvGrpSpPr>
-        <p:cNvPr id="1" name=""/>
-        <p:cNvGrpSpPr/>
-        <p:nvPr/>
-      </p:nvGrpSpPr>
-      <p:grpSpPr>
-        <a:xfrm>
-          <a:off x="0" y="0"/>
-          <a:ext cx="0" cy="0"/>
-          <a:chOff x="0" y="0"/>
-          <a:chExt cx="0" cy="0"/>
-        </a:xfrm>
-      </p:grpSpPr>
-      <p:sp>
-        <p:nvSpPr>
-          <p:cNvPr id="2" name="Title 1">
-            <a:extLst>
-              <a:ext uri="{FF2B5EF4-FFF2-40B4-BE49-F238E27FC236}">
-                <a16:creationId xmlns:a16="http://schemas.microsoft.com/office/drawing/2014/main" id="{2DE4ADFB-7893-48C3-AC6F-AE093DCDE390}"/>
-              </a:ext>
-            </a:extLst>
-          </p:cNvPr>
-          <p:cNvSpPr>
-            <a:spLocks noGrp="1"/>
-          </p:cNvSpPr>
-          <p:nvPr>
-            <p:ph type="title"/>
-          </p:nvPr>
-        </p:nvSpPr>
-        <p:spPr/>
-        <p:txBody>
-          <a:bodyPr/>
-          <a:lstStyle/>
-          <a:p>
-            <a:r>
-              <a:rPr lang="en-NZ" b="1" dirty="0"/>
-              <a:t>FEEBACK ON THE FUNCTIONALITY</a:t>
-            </a:r>
-          </a:p>
-        </p:txBody>
-      </p:sp>
-      <p:sp>
-        <p:nvSpPr>
-          <p:cNvPr id="3" name="Content Placeholder 2">
-            <a:extLst>
-              <a:ext uri="{FF2B5EF4-FFF2-40B4-BE49-F238E27FC236}">
-                <a16:creationId xmlns:a16="http://schemas.microsoft.com/office/drawing/2014/main" id="{DB99433D-296F-4966-A302-3480B291D6C7}"/>
-              </a:ext>
-            </a:extLst>
-          </p:cNvPr>
-          <p:cNvSpPr>
-            <a:spLocks noGrp="1"/>
-          </p:cNvSpPr>
-          <p:nvPr>
-            <p:ph idx="1"/>
-          </p:nvPr>
-        </p:nvSpPr>
-        <p:spPr/>
-        <p:txBody>
-          <a:bodyPr/>
-          <a:lstStyle/>
-          <a:p>
-            <a:endParaRPr lang="en-NZ"/>
-          </a:p>
-        </p:txBody>
-      </p:sp>
-    </p:spTree>
-    <p:extLst>
-      <p:ext uri="{BB962C8B-B14F-4D97-AF65-F5344CB8AC3E}">
-        <p14:creationId xmlns:p14="http://schemas.microsoft.com/office/powerpoint/2010/main" val="460412582"/>
       </p:ext>
     </p:extLst>
   </p:cSld>
@@ -21666,6 +21699,323 @@
           <p:cNvPr id="2" name="Title 1">
             <a:extLst>
               <a:ext uri="{FF2B5EF4-FFF2-40B4-BE49-F238E27FC236}">
+                <a16:creationId xmlns:a16="http://schemas.microsoft.com/office/drawing/2014/main" id="{69A4C2F2-DAF9-4E58-8717-1856E1896FC8}"/>
+              </a:ext>
+            </a:extLst>
+          </p:cNvPr>
+          <p:cNvSpPr>
+            <a:spLocks noGrp="1"/>
+          </p:cNvSpPr>
+          <p:nvPr>
+            <p:ph type="title"/>
+          </p:nvPr>
+        </p:nvSpPr>
+        <p:spPr/>
+        <p:txBody>
+          <a:bodyPr/>
+          <a:lstStyle/>
+          <a:p>
+            <a:r>
+              <a:rPr lang="en-US" b="1" dirty="0"/>
+              <a:t>Trialing inputs</a:t>
+            </a:r>
+            <a:endParaRPr lang="en-NZ" b="1" dirty="0"/>
+          </a:p>
+        </p:txBody>
+      </p:sp>
+      <p:sp>
+        <p:nvSpPr>
+          <p:cNvPr id="3" name="Content Placeholder 2">
+            <a:extLst>
+              <a:ext uri="{FF2B5EF4-FFF2-40B4-BE49-F238E27FC236}">
+                <a16:creationId xmlns:a16="http://schemas.microsoft.com/office/drawing/2014/main" id="{1E4A30C7-F62B-4E68-B4EE-D00741CA74BD}"/>
+              </a:ext>
+            </a:extLst>
+          </p:cNvPr>
+          <p:cNvSpPr>
+            <a:spLocks noGrp="1"/>
+          </p:cNvSpPr>
+          <p:nvPr>
+            <p:ph idx="1"/>
+          </p:nvPr>
+        </p:nvSpPr>
+        <p:spPr/>
+        <p:txBody>
+          <a:bodyPr/>
+          <a:lstStyle/>
+          <a:p>
+            <a:endParaRPr lang="en-NZ"/>
+          </a:p>
+        </p:txBody>
+      </p:sp>
+    </p:spTree>
+    <p:extLst>
+      <p:ext uri="{BB962C8B-B14F-4D97-AF65-F5344CB8AC3E}">
+        <p14:creationId xmlns:p14="http://schemas.microsoft.com/office/powerpoint/2010/main" val="3741938304"/>
+      </p:ext>
+    </p:extLst>
+  </p:cSld>
+  <p:clrMapOvr>
+    <a:masterClrMapping/>
+  </p:clrMapOvr>
+</p:sld>
+</file>
+
+<file path=ppt/slides/slide21.xml><?xml version="1.0" encoding="utf-8"?>
+<p:sld xmlns:a="http://schemas.openxmlformats.org/drawingml/2006/main" xmlns:r="http://schemas.openxmlformats.org/officeDocument/2006/relationships" xmlns:p="http://schemas.openxmlformats.org/presentationml/2006/main">
+  <p:cSld>
+    <p:spTree>
+      <p:nvGrpSpPr>
+        <p:cNvPr id="1" name=""/>
+        <p:cNvGrpSpPr/>
+        <p:nvPr/>
+      </p:nvGrpSpPr>
+      <p:grpSpPr>
+        <a:xfrm>
+          <a:off x="0" y="0"/>
+          <a:ext cx="0" cy="0"/>
+          <a:chOff x="0" y="0"/>
+          <a:chExt cx="0" cy="0"/>
+        </a:xfrm>
+      </p:grpSpPr>
+      <p:sp>
+        <p:nvSpPr>
+          <p:cNvPr id="5" name="Content Placeholder 4">
+            <a:extLst>
+              <a:ext uri="{FF2B5EF4-FFF2-40B4-BE49-F238E27FC236}">
+                <a16:creationId xmlns:a16="http://schemas.microsoft.com/office/drawing/2014/main" id="{6AAF0252-04A0-4426-9AD8-19424295094E}"/>
+              </a:ext>
+            </a:extLst>
+          </p:cNvPr>
+          <p:cNvSpPr>
+            <a:spLocks noGrp="1"/>
+          </p:cNvSpPr>
+          <p:nvPr>
+            <p:ph idx="1"/>
+          </p:nvPr>
+        </p:nvSpPr>
+        <p:spPr>
+          <a:xfrm>
+            <a:off x="1024128" y="527901"/>
+            <a:ext cx="9720073" cy="5781459"/>
+          </a:xfrm>
+        </p:spPr>
+        <p:txBody>
+          <a:bodyPr>
+            <a:normAutofit/>
+          </a:bodyPr>
+          <a:lstStyle/>
+          <a:p>
+            <a:pPr algn="ctr"/>
+            <a:r>
+              <a:rPr lang="en-NZ" sz="5400" dirty="0"/>
+              <a:t>Every LESSON – TAKE A SCREENSHOT OF YOU USING YOUR TRELLO BOARD – ADDING NOTES TO YOUR CARDS ETC AND A SCREENSHOT OF YOUR CODE AND GUI</a:t>
+            </a:r>
+          </a:p>
+        </p:txBody>
+      </p:sp>
+    </p:spTree>
+    <p:extLst>
+      <p:ext uri="{BB962C8B-B14F-4D97-AF65-F5344CB8AC3E}">
+        <p14:creationId xmlns:p14="http://schemas.microsoft.com/office/powerpoint/2010/main" val="3902136989"/>
+      </p:ext>
+    </p:extLst>
+  </p:cSld>
+  <p:clrMapOvr>
+    <a:masterClrMapping/>
+  </p:clrMapOvr>
+</p:sld>
+</file>
+
+<file path=ppt/slides/slide22.xml><?xml version="1.0" encoding="utf-8"?>
+<p:sld xmlns:a="http://schemas.openxmlformats.org/drawingml/2006/main" xmlns:r="http://schemas.openxmlformats.org/officeDocument/2006/relationships" xmlns:p="http://schemas.openxmlformats.org/presentationml/2006/main">
+  <p:cSld>
+    <p:spTree>
+      <p:nvGrpSpPr>
+        <p:cNvPr id="1" name=""/>
+        <p:cNvGrpSpPr/>
+        <p:nvPr/>
+      </p:nvGrpSpPr>
+      <p:grpSpPr>
+        <a:xfrm>
+          <a:off x="0" y="0"/>
+          <a:ext cx="0" cy="0"/>
+          <a:chOff x="0" y="0"/>
+          <a:chExt cx="0" cy="0"/>
+        </a:xfrm>
+      </p:grpSpPr>
+      <p:sp>
+        <p:nvSpPr>
+          <p:cNvPr id="2" name="Title 1">
+            <a:extLst>
+              <a:ext uri="{FF2B5EF4-FFF2-40B4-BE49-F238E27FC236}">
+                <a16:creationId xmlns:a16="http://schemas.microsoft.com/office/drawing/2014/main" id="{69A4C2F2-DAF9-4E58-8717-1856E1896FC8}"/>
+              </a:ext>
+            </a:extLst>
+          </p:cNvPr>
+          <p:cNvSpPr>
+            <a:spLocks noGrp="1"/>
+          </p:cNvSpPr>
+          <p:nvPr>
+            <p:ph type="title"/>
+          </p:nvPr>
+        </p:nvSpPr>
+        <p:spPr/>
+        <p:txBody>
+          <a:bodyPr/>
+          <a:lstStyle/>
+          <a:p>
+            <a:r>
+              <a:rPr lang="en-US" b="1" dirty="0"/>
+              <a:t>Trialing inputs</a:t>
+            </a:r>
+            <a:endParaRPr lang="en-NZ" b="1" dirty="0"/>
+          </a:p>
+        </p:txBody>
+      </p:sp>
+      <p:sp>
+        <p:nvSpPr>
+          <p:cNvPr id="3" name="Content Placeholder 2">
+            <a:extLst>
+              <a:ext uri="{FF2B5EF4-FFF2-40B4-BE49-F238E27FC236}">
+                <a16:creationId xmlns:a16="http://schemas.microsoft.com/office/drawing/2014/main" id="{1E4A30C7-F62B-4E68-B4EE-D00741CA74BD}"/>
+              </a:ext>
+            </a:extLst>
+          </p:cNvPr>
+          <p:cNvSpPr>
+            <a:spLocks noGrp="1"/>
+          </p:cNvSpPr>
+          <p:nvPr>
+            <p:ph idx="1"/>
+          </p:nvPr>
+        </p:nvSpPr>
+        <p:spPr/>
+        <p:txBody>
+          <a:bodyPr/>
+          <a:lstStyle/>
+          <a:p>
+            <a:endParaRPr lang="en-NZ"/>
+          </a:p>
+        </p:txBody>
+      </p:sp>
+    </p:spTree>
+    <p:extLst>
+      <p:ext uri="{BB962C8B-B14F-4D97-AF65-F5344CB8AC3E}">
+        <p14:creationId xmlns:p14="http://schemas.microsoft.com/office/powerpoint/2010/main" val="879569738"/>
+      </p:ext>
+    </p:extLst>
+  </p:cSld>
+  <p:clrMapOvr>
+    <a:masterClrMapping/>
+  </p:clrMapOvr>
+</p:sld>
+</file>
+
+<file path=ppt/slides/slide23.xml><?xml version="1.0" encoding="utf-8"?>
+<p:sld xmlns:a="http://schemas.openxmlformats.org/drawingml/2006/main" xmlns:r="http://schemas.openxmlformats.org/officeDocument/2006/relationships" xmlns:p="http://schemas.openxmlformats.org/presentationml/2006/main">
+  <p:cSld>
+    <p:spTree>
+      <p:nvGrpSpPr>
+        <p:cNvPr id="1" name=""/>
+        <p:cNvGrpSpPr/>
+        <p:nvPr/>
+      </p:nvGrpSpPr>
+      <p:grpSpPr>
+        <a:xfrm>
+          <a:off x="0" y="0"/>
+          <a:ext cx="0" cy="0"/>
+          <a:chOff x="0" y="0"/>
+          <a:chExt cx="0" cy="0"/>
+        </a:xfrm>
+      </p:grpSpPr>
+      <p:sp>
+        <p:nvSpPr>
+          <p:cNvPr id="2" name="Title 1">
+            <a:extLst>
+              <a:ext uri="{FF2B5EF4-FFF2-40B4-BE49-F238E27FC236}">
+                <a16:creationId xmlns:a16="http://schemas.microsoft.com/office/drawing/2014/main" id="{2DE4ADFB-7893-48C3-AC6F-AE093DCDE390}"/>
+              </a:ext>
+            </a:extLst>
+          </p:cNvPr>
+          <p:cNvSpPr>
+            <a:spLocks noGrp="1"/>
+          </p:cNvSpPr>
+          <p:nvPr>
+            <p:ph type="title"/>
+          </p:nvPr>
+        </p:nvSpPr>
+        <p:spPr/>
+        <p:txBody>
+          <a:bodyPr/>
+          <a:lstStyle/>
+          <a:p>
+            <a:r>
+              <a:rPr lang="en-NZ" b="1" dirty="0"/>
+              <a:t>FEEBACK ON THE FUNCTIONALITY</a:t>
+            </a:r>
+          </a:p>
+        </p:txBody>
+      </p:sp>
+      <p:sp>
+        <p:nvSpPr>
+          <p:cNvPr id="3" name="Content Placeholder 2">
+            <a:extLst>
+              <a:ext uri="{FF2B5EF4-FFF2-40B4-BE49-F238E27FC236}">
+                <a16:creationId xmlns:a16="http://schemas.microsoft.com/office/drawing/2014/main" id="{DB99433D-296F-4966-A302-3480B291D6C7}"/>
+              </a:ext>
+            </a:extLst>
+          </p:cNvPr>
+          <p:cNvSpPr>
+            <a:spLocks noGrp="1"/>
+          </p:cNvSpPr>
+          <p:nvPr>
+            <p:ph idx="1"/>
+          </p:nvPr>
+        </p:nvSpPr>
+        <p:spPr/>
+        <p:txBody>
+          <a:bodyPr/>
+          <a:lstStyle/>
+          <a:p>
+            <a:endParaRPr lang="en-NZ"/>
+          </a:p>
+        </p:txBody>
+      </p:sp>
+    </p:spTree>
+    <p:extLst>
+      <p:ext uri="{BB962C8B-B14F-4D97-AF65-F5344CB8AC3E}">
+        <p14:creationId xmlns:p14="http://schemas.microsoft.com/office/powerpoint/2010/main" val="460412582"/>
+      </p:ext>
+    </p:extLst>
+  </p:cSld>
+  <p:clrMapOvr>
+    <a:masterClrMapping/>
+  </p:clrMapOvr>
+</p:sld>
+</file>
+
+<file path=ppt/slides/slide24.xml><?xml version="1.0" encoding="utf-8"?>
+<p:sld xmlns:a="http://schemas.openxmlformats.org/drawingml/2006/main" xmlns:r="http://schemas.openxmlformats.org/officeDocument/2006/relationships" xmlns:p="http://schemas.openxmlformats.org/presentationml/2006/main">
+  <p:cSld>
+    <p:spTree>
+      <p:nvGrpSpPr>
+        <p:cNvPr id="1" name=""/>
+        <p:cNvGrpSpPr/>
+        <p:nvPr/>
+      </p:nvGrpSpPr>
+      <p:grpSpPr>
+        <a:xfrm>
+          <a:off x="0" y="0"/>
+          <a:ext cx="0" cy="0"/>
+          <a:chOff x="0" y="0"/>
+          <a:chExt cx="0" cy="0"/>
+        </a:xfrm>
+      </p:grpSpPr>
+      <p:sp>
+        <p:nvSpPr>
+          <p:cNvPr id="2" name="Title 1">
+            <a:extLst>
+              <a:ext uri="{FF2B5EF4-FFF2-40B4-BE49-F238E27FC236}">
                 <a16:creationId xmlns:a16="http://schemas.microsoft.com/office/drawing/2014/main" id="{2DE4ADFB-7893-48C3-AC6F-AE093DCDE390}"/>
               </a:ext>
             </a:extLst>
@@ -21727,7 +22077,7 @@
 </p:sld>
 </file>
 
-<file path=ppt/slides/slide21.xml><?xml version="1.0" encoding="utf-8"?>
+<file path=ppt/slides/slide25.xml><?xml version="1.0" encoding="utf-8"?>
 <p:sld xmlns:a="http://schemas.openxmlformats.org/drawingml/2006/main" xmlns:r="http://schemas.openxmlformats.org/officeDocument/2006/relationships" xmlns:p="http://schemas.openxmlformats.org/presentationml/2006/main">
   <p:cSld>
     <p:spTree>
@@ -21810,7 +22160,7 @@
 </p:sld>
 </file>
 
-<file path=ppt/slides/slide22.xml><?xml version="1.0" encoding="utf-8"?>
+<file path=ppt/slides/slide26.xml><?xml version="1.0" encoding="utf-8"?>
 <p:sld xmlns:a="http://schemas.openxmlformats.org/drawingml/2006/main" xmlns:r="http://schemas.openxmlformats.org/officeDocument/2006/relationships" xmlns:p="http://schemas.openxmlformats.org/presentationml/2006/main">
   <p:cSld>
     <p:spTree>
@@ -21894,7 +22244,7 @@
 </p:sld>
 </file>
 
-<file path=ppt/slides/slide23.xml><?xml version="1.0" encoding="utf-8"?>
+<file path=ppt/slides/slide27.xml><?xml version="1.0" encoding="utf-8"?>
 <p:sld xmlns:a="http://schemas.openxmlformats.org/drawingml/2006/main" xmlns:r="http://schemas.openxmlformats.org/officeDocument/2006/relationships" xmlns:p="http://schemas.openxmlformats.org/presentationml/2006/main">
   <p:cSld>
     <p:spTree>
@@ -21978,7 +22328,7 @@
 </p:sld>
 </file>
 
-<file path=ppt/slides/slide24.xml><?xml version="1.0" encoding="utf-8"?>
+<file path=ppt/slides/slide28.xml><?xml version="1.0" encoding="utf-8"?>
 <p:sld xmlns:a="http://schemas.openxmlformats.org/drawingml/2006/main" xmlns:r="http://schemas.openxmlformats.org/officeDocument/2006/relationships" xmlns:p="http://schemas.openxmlformats.org/presentationml/2006/main">
   <p:cSld>
     <p:spTree>
@@ -22062,7 +22412,7 @@
 </p:sld>
 </file>
 
-<file path=ppt/slides/slide25.xml><?xml version="1.0" encoding="utf-8"?>
+<file path=ppt/slides/slide29.xml><?xml version="1.0" encoding="utf-8"?>
 <p:sld xmlns:a="http://schemas.openxmlformats.org/drawingml/2006/main" xmlns:r="http://schemas.openxmlformats.org/officeDocument/2006/relationships" xmlns:p="http://schemas.openxmlformats.org/presentationml/2006/main">
   <p:cSld>
     <p:spTree>
@@ -22146,7 +22496,109 @@
 </p:sld>
 </file>
 
-<file path=ppt/slides/slide26.xml><?xml version="1.0" encoding="utf-8"?>
+<file path=ppt/slides/slide3.xml><?xml version="1.0" encoding="utf-8"?>
+<p:sld xmlns:a="http://schemas.openxmlformats.org/drawingml/2006/main" xmlns:r="http://schemas.openxmlformats.org/officeDocument/2006/relationships" xmlns:p="http://schemas.openxmlformats.org/presentationml/2006/main">
+  <p:cSld>
+    <p:spTree>
+      <p:nvGrpSpPr>
+        <p:cNvPr id="1" name=""/>
+        <p:cNvGrpSpPr/>
+        <p:nvPr/>
+      </p:nvGrpSpPr>
+      <p:grpSpPr>
+        <a:xfrm>
+          <a:off x="0" y="0"/>
+          <a:ext cx="0" cy="0"/>
+          <a:chOff x="0" y="0"/>
+          <a:chExt cx="0" cy="0"/>
+        </a:xfrm>
+      </p:grpSpPr>
+      <p:sp>
+        <p:nvSpPr>
+          <p:cNvPr id="2" name="Title 1">
+            <a:extLst>
+              <a:ext uri="{FF2B5EF4-FFF2-40B4-BE49-F238E27FC236}">
+                <a16:creationId xmlns:a16="http://schemas.microsoft.com/office/drawing/2014/main" id="{C4FC0739-1B4C-41A2-9E5C-4F460F64615D}"/>
+              </a:ext>
+            </a:extLst>
+          </p:cNvPr>
+          <p:cNvSpPr>
+            <a:spLocks noGrp="1"/>
+          </p:cNvSpPr>
+          <p:nvPr>
+            <p:ph type="title"/>
+          </p:nvPr>
+        </p:nvSpPr>
+        <p:spPr/>
+        <p:txBody>
+          <a:bodyPr/>
+          <a:lstStyle/>
+          <a:p>
+            <a:r>
+              <a:rPr lang="en-US" b="1" dirty="0"/>
+              <a:t>Step 1 : Define your relevant implications</a:t>
+            </a:r>
+            <a:endParaRPr lang="en-NZ" b="1" dirty="0"/>
+          </a:p>
+        </p:txBody>
+      </p:sp>
+      <p:sp>
+        <p:nvSpPr>
+          <p:cNvPr id="3" name="Content Placeholder 2">
+            <a:extLst>
+              <a:ext uri="{FF2B5EF4-FFF2-40B4-BE49-F238E27FC236}">
+                <a16:creationId xmlns:a16="http://schemas.microsoft.com/office/drawing/2014/main" id="{AB4F1B8E-5A02-4D36-9853-855200D60C1F}"/>
+              </a:ext>
+            </a:extLst>
+          </p:cNvPr>
+          <p:cNvSpPr>
+            <a:spLocks noGrp="1"/>
+          </p:cNvSpPr>
+          <p:nvPr>
+            <p:ph idx="1"/>
+          </p:nvPr>
+        </p:nvSpPr>
+        <p:spPr/>
+        <p:txBody>
+          <a:bodyPr>
+            <a:normAutofit/>
+          </a:bodyPr>
+          <a:lstStyle/>
+          <a:p>
+            <a:r>
+              <a:rPr lang="en-US" dirty="0"/>
+              <a:t>What are 3 relevant implications you will be focusing on</a:t>
+            </a:r>
+            <a:r>
+              <a:rPr lang="en-US" dirty="0" smtClean="0"/>
+              <a:t>?</a:t>
+            </a:r>
+          </a:p>
+          <a:p>
+            <a:endParaRPr lang="en-US" dirty="0"/>
+          </a:p>
+          <a:p>
+            <a:pPr marL="0" indent="0">
+              <a:buNone/>
+            </a:pPr>
+            <a:endParaRPr lang="en-NZ" dirty="0"/>
+          </a:p>
+        </p:txBody>
+      </p:sp>
+    </p:spTree>
+    <p:extLst>
+      <p:ext uri="{BB962C8B-B14F-4D97-AF65-F5344CB8AC3E}">
+        <p14:creationId xmlns:p14="http://schemas.microsoft.com/office/powerpoint/2010/main" val="2755820248"/>
+      </p:ext>
+    </p:extLst>
+  </p:cSld>
+  <p:clrMapOvr>
+    <a:masterClrMapping/>
+  </p:clrMapOvr>
+</p:sld>
+</file>
+
+<file path=ppt/slides/slide30.xml><?xml version="1.0" encoding="utf-8"?>
 <p:sld xmlns:a="http://schemas.openxmlformats.org/drawingml/2006/main" xmlns:r="http://schemas.openxmlformats.org/officeDocument/2006/relationships" xmlns:p="http://schemas.openxmlformats.org/presentationml/2006/main">
   <p:cSld>
     <p:spTree>
@@ -22230,7 +22682,7 @@
 </p:sld>
 </file>
 
-<file path=ppt/slides/slide27.xml><?xml version="1.0" encoding="utf-8"?>
+<file path=ppt/slides/slide31.xml><?xml version="1.0" encoding="utf-8"?>
 <p:sld xmlns:a="http://schemas.openxmlformats.org/drawingml/2006/main" xmlns:r="http://schemas.openxmlformats.org/officeDocument/2006/relationships" xmlns:p="http://schemas.openxmlformats.org/presentationml/2006/main">
   <p:cSld>
     <p:spTree>
@@ -22314,7 +22766,7 @@
 </p:sld>
 </file>
 
-<file path=ppt/slides/slide28.xml><?xml version="1.0" encoding="utf-8"?>
+<file path=ppt/slides/slide32.xml><?xml version="1.0" encoding="utf-8"?>
 <p:sld xmlns:a="http://schemas.openxmlformats.org/drawingml/2006/main" xmlns:r="http://schemas.openxmlformats.org/officeDocument/2006/relationships" xmlns:p="http://schemas.openxmlformats.org/presentationml/2006/main">
   <p:cSld>
     <p:spTree>
@@ -22398,7 +22850,7 @@
 </p:sld>
 </file>
 
-<file path=ppt/slides/slide29.xml><?xml version="1.0" encoding="utf-8"?>
+<file path=ppt/slides/slide33.xml><?xml version="1.0" encoding="utf-8"?>
 <p:sld xmlns:a="http://schemas.openxmlformats.org/drawingml/2006/main" xmlns:r="http://schemas.openxmlformats.org/officeDocument/2006/relationships" xmlns:p="http://schemas.openxmlformats.org/presentationml/2006/main">
   <p:cSld>
     <p:spTree>
@@ -22482,101 +22934,7 @@
 </p:sld>
 </file>
 
-<file path=ppt/slides/slide3.xml><?xml version="1.0" encoding="utf-8"?>
-<p:sld xmlns:a="http://schemas.openxmlformats.org/drawingml/2006/main" xmlns:r="http://schemas.openxmlformats.org/officeDocument/2006/relationships" xmlns:p="http://schemas.openxmlformats.org/presentationml/2006/main">
-  <p:cSld>
-    <p:spTree>
-      <p:nvGrpSpPr>
-        <p:cNvPr id="1" name=""/>
-        <p:cNvGrpSpPr/>
-        <p:nvPr/>
-      </p:nvGrpSpPr>
-      <p:grpSpPr>
-        <a:xfrm>
-          <a:off x="0" y="0"/>
-          <a:ext cx="0" cy="0"/>
-          <a:chOff x="0" y="0"/>
-          <a:chExt cx="0" cy="0"/>
-        </a:xfrm>
-      </p:grpSpPr>
-      <p:sp>
-        <p:nvSpPr>
-          <p:cNvPr id="2" name="Title 1">
-            <a:extLst>
-              <a:ext uri="{FF2B5EF4-FFF2-40B4-BE49-F238E27FC236}">
-                <a16:creationId xmlns:a16="http://schemas.microsoft.com/office/drawing/2014/main" id="{C4FC0739-1B4C-41A2-9E5C-4F460F64615D}"/>
-              </a:ext>
-            </a:extLst>
-          </p:cNvPr>
-          <p:cNvSpPr>
-            <a:spLocks noGrp="1"/>
-          </p:cNvSpPr>
-          <p:nvPr>
-            <p:ph type="title"/>
-          </p:nvPr>
-        </p:nvSpPr>
-        <p:spPr/>
-        <p:txBody>
-          <a:bodyPr/>
-          <a:lstStyle/>
-          <a:p>
-            <a:r>
-              <a:rPr lang="en-US" b="1" dirty="0"/>
-              <a:t>Step 1 : Define your relevant implications</a:t>
-            </a:r>
-            <a:endParaRPr lang="en-NZ" b="1" dirty="0"/>
-          </a:p>
-        </p:txBody>
-      </p:sp>
-      <p:sp>
-        <p:nvSpPr>
-          <p:cNvPr id="3" name="Content Placeholder 2">
-            <a:extLst>
-              <a:ext uri="{FF2B5EF4-FFF2-40B4-BE49-F238E27FC236}">
-                <a16:creationId xmlns:a16="http://schemas.microsoft.com/office/drawing/2014/main" id="{AB4F1B8E-5A02-4D36-9853-855200D60C1F}"/>
-              </a:ext>
-            </a:extLst>
-          </p:cNvPr>
-          <p:cNvSpPr>
-            <a:spLocks noGrp="1"/>
-          </p:cNvSpPr>
-          <p:nvPr>
-            <p:ph idx="1"/>
-          </p:nvPr>
-        </p:nvSpPr>
-        <p:spPr/>
-        <p:txBody>
-          <a:bodyPr/>
-          <a:lstStyle/>
-          <a:p>
-            <a:r>
-              <a:rPr lang="en-US" dirty="0"/>
-              <a:t>What are 3 relevant implications you will be focusing on?</a:t>
-            </a:r>
-            <a:endParaRPr lang="en-NZ" dirty="0"/>
-          </a:p>
-          <a:p>
-            <a:pPr marL="0" indent="0">
-              <a:buNone/>
-            </a:pPr>
-            <a:endParaRPr lang="en-NZ" dirty="0"/>
-          </a:p>
-        </p:txBody>
-      </p:sp>
-    </p:spTree>
-    <p:extLst>
-      <p:ext uri="{BB962C8B-B14F-4D97-AF65-F5344CB8AC3E}">
-        <p14:creationId xmlns:p14="http://schemas.microsoft.com/office/powerpoint/2010/main" val="2755820248"/>
-      </p:ext>
-    </p:extLst>
-  </p:cSld>
-  <p:clrMapOvr>
-    <a:masterClrMapping/>
-  </p:clrMapOvr>
-</p:sld>
-</file>
-
-<file path=ppt/slides/slide30.xml><?xml version="1.0" encoding="utf-8"?>
+<file path=ppt/slides/slide34.xml><?xml version="1.0" encoding="utf-8"?>
 <p:sld xmlns:a="http://schemas.openxmlformats.org/drawingml/2006/main" xmlns:r="http://schemas.openxmlformats.org/officeDocument/2006/relationships" xmlns:p="http://schemas.openxmlformats.org/presentationml/2006/main">
   <p:cSld>
     <p:spTree>
@@ -22660,7 +23018,7 @@
 </p:sld>
 </file>
 
-<file path=ppt/slides/slide31.xml><?xml version="1.0" encoding="utf-8"?>
+<file path=ppt/slides/slide35.xml><?xml version="1.0" encoding="utf-8"?>
 <p:sld xmlns:a="http://schemas.openxmlformats.org/drawingml/2006/main" xmlns:r="http://schemas.openxmlformats.org/officeDocument/2006/relationships" xmlns:p="http://schemas.openxmlformats.org/presentationml/2006/main">
   <p:cSld>
     <p:spTree>
@@ -22744,7 +23102,7 @@
 </p:sld>
 </file>
 
-<file path=ppt/slides/slide32.xml><?xml version="1.0" encoding="utf-8"?>
+<file path=ppt/slides/slide36.xml><?xml version="1.0" encoding="utf-8"?>
 <p:sld xmlns:a="http://schemas.openxmlformats.org/drawingml/2006/main" xmlns:r="http://schemas.openxmlformats.org/officeDocument/2006/relationships" xmlns:p="http://schemas.openxmlformats.org/presentationml/2006/main">
   <p:cSld>
     <p:spTree>
@@ -22828,7 +23186,7 @@
 </p:sld>
 </file>
 
-<file path=ppt/slides/slide33.xml><?xml version="1.0" encoding="utf-8"?>
+<file path=ppt/slides/slide37.xml><?xml version="1.0" encoding="utf-8"?>
 <p:sld xmlns:a="http://schemas.openxmlformats.org/drawingml/2006/main" xmlns:r="http://schemas.openxmlformats.org/officeDocument/2006/relationships" xmlns:p="http://schemas.openxmlformats.org/presentationml/2006/main">
   <p:cSld>
     <p:spTree>
@@ -22912,7 +23270,7 @@
 </p:sld>
 </file>
 
-<file path=ppt/slides/slide34.xml><?xml version="1.0" encoding="utf-8"?>
+<file path=ppt/slides/slide38.xml><?xml version="1.0" encoding="utf-8"?>
 <p:sld xmlns:a="http://schemas.openxmlformats.org/drawingml/2006/main" xmlns:r="http://schemas.openxmlformats.org/officeDocument/2006/relationships" xmlns:p="http://schemas.openxmlformats.org/presentationml/2006/main">
   <p:cSld>
     <p:spTree>
@@ -22996,7 +23354,7 @@
 </p:sld>
 </file>
 
-<file path=ppt/slides/slide35.xml><?xml version="1.0" encoding="utf-8"?>
+<file path=ppt/slides/slide39.xml><?xml version="1.0" encoding="utf-8"?>
 <p:sld xmlns:a="http://schemas.openxmlformats.org/drawingml/2006/main" xmlns:r="http://schemas.openxmlformats.org/officeDocument/2006/relationships" xmlns:p="http://schemas.openxmlformats.org/presentationml/2006/main">
   <p:cSld>
     <p:spTree>
@@ -23079,7 +23437,107 @@
 </p:sld>
 </file>
 
-<file path=ppt/slides/slide36.xml><?xml version="1.0" encoding="utf-8"?>
+<file path=ppt/slides/slide4.xml><?xml version="1.0" encoding="utf-8"?>
+<p:sld xmlns:a="http://schemas.openxmlformats.org/drawingml/2006/main" xmlns:r="http://schemas.openxmlformats.org/officeDocument/2006/relationships" xmlns:p="http://schemas.openxmlformats.org/presentationml/2006/main">
+  <p:cSld>
+    <p:spTree>
+      <p:nvGrpSpPr>
+        <p:cNvPr id="1" name=""/>
+        <p:cNvGrpSpPr/>
+        <p:nvPr/>
+      </p:nvGrpSpPr>
+      <p:grpSpPr>
+        <a:xfrm>
+          <a:off x="0" y="0"/>
+          <a:ext cx="0" cy="0"/>
+          <a:chOff x="0" y="0"/>
+          <a:chExt cx="0" cy="0"/>
+        </a:xfrm>
+      </p:grpSpPr>
+      <p:sp>
+        <p:nvSpPr>
+          <p:cNvPr id="2" name="Title 1"/>
+          <p:cNvSpPr>
+            <a:spLocks noGrp="1"/>
+          </p:cNvSpPr>
+          <p:nvPr>
+            <p:ph type="title"/>
+          </p:nvPr>
+        </p:nvSpPr>
+        <p:spPr/>
+        <p:txBody>
+          <a:bodyPr/>
+          <a:lstStyle/>
+          <a:p>
+            <a:r>
+              <a:rPr lang="en-GB" dirty="0" smtClean="0"/>
+              <a:t>Implication - Aesthetic</a:t>
+            </a:r>
+            <a:endParaRPr lang="en-GB" dirty="0"/>
+          </a:p>
+        </p:txBody>
+      </p:sp>
+      <p:sp>
+        <p:nvSpPr>
+          <p:cNvPr id="3" name="Content Placeholder 2"/>
+          <p:cNvSpPr>
+            <a:spLocks noGrp="1"/>
+          </p:cNvSpPr>
+          <p:nvPr>
+            <p:ph idx="1"/>
+          </p:nvPr>
+        </p:nvSpPr>
+        <p:spPr/>
+        <p:txBody>
+          <a:bodyPr/>
+          <a:lstStyle/>
+          <a:p>
+            <a:r>
+              <a:rPr lang="en-US" dirty="0"/>
+              <a:t>Aesthetic – </a:t>
+            </a:r>
+            <a:r>
+              <a:rPr lang="en-US" dirty="0" smtClean="0"/>
+              <a:t>How appealing the website looks to a user and how well the theme matches.</a:t>
+            </a:r>
+          </a:p>
+          <a:p>
+            <a:endParaRPr lang="en-US" dirty="0"/>
+          </a:p>
+          <a:p>
+            <a:r>
+              <a:rPr lang="en-US" sz="2400" dirty="0" smtClean="0"/>
+              <a:t>The </a:t>
+            </a:r>
+            <a:r>
+              <a:rPr lang="en-US" sz="2400" dirty="0"/>
+              <a:t>website should look visually appealing with a modern and sleek GUI using a vibrant color pallet. The site should look attractive to the user with consistent styled elements and a theme that is </a:t>
+            </a:r>
+            <a:r>
+              <a:rPr lang="en-US" sz="2400" dirty="0" smtClean="0"/>
+              <a:t>modern and matches what the target audience would enjoy. The site should not be overpowering for the user as it should be a simple design.</a:t>
+            </a:r>
+            <a:endParaRPr lang="en-US" sz="2400" dirty="0"/>
+          </a:p>
+          <a:p>
+            <a:endParaRPr lang="en-GB" dirty="0"/>
+          </a:p>
+        </p:txBody>
+      </p:sp>
+    </p:spTree>
+    <p:extLst>
+      <p:ext uri="{BB962C8B-B14F-4D97-AF65-F5344CB8AC3E}">
+        <p14:creationId xmlns:p14="http://schemas.microsoft.com/office/powerpoint/2010/main" val="4087529145"/>
+      </p:ext>
+    </p:extLst>
+  </p:cSld>
+  <p:clrMapOvr>
+    <a:masterClrMapping/>
+  </p:clrMapOvr>
+</p:sld>
+</file>
+
+<file path=ppt/slides/slide40.xml><?xml version="1.0" encoding="utf-8"?>
 <p:sld xmlns:a="http://schemas.openxmlformats.org/drawingml/2006/main" xmlns:r="http://schemas.openxmlformats.org/officeDocument/2006/relationships" xmlns:p="http://schemas.openxmlformats.org/presentationml/2006/main">
   <p:cSld>
     <p:spTree>
@@ -23162,7 +23620,7 @@
 </p:sld>
 </file>
 
-<file path=ppt/slides/slide37.xml><?xml version="1.0" encoding="utf-8"?>
+<file path=ppt/slides/slide41.xml><?xml version="1.0" encoding="utf-8"?>
 <p:sld xmlns:a="http://schemas.openxmlformats.org/drawingml/2006/main" xmlns:r="http://schemas.openxmlformats.org/officeDocument/2006/relationships" xmlns:p="http://schemas.openxmlformats.org/presentationml/2006/main">
   <p:cSld>
     <p:spTree>
@@ -23245,7 +23703,7 @@
 </p:sld>
 </file>
 
-<file path=ppt/slides/slide38.xml><?xml version="1.0" encoding="utf-8"?>
+<file path=ppt/slides/slide42.xml><?xml version="1.0" encoding="utf-8"?>
 <p:sld xmlns:a="http://schemas.openxmlformats.org/drawingml/2006/main" xmlns:r="http://schemas.openxmlformats.org/officeDocument/2006/relationships" xmlns:p="http://schemas.openxmlformats.org/presentationml/2006/main">
   <p:cSld>
     <p:spTree>
@@ -23328,7 +23786,7 @@
 </p:sld>
 </file>
 
-<file path=ppt/slides/slide39.xml><?xml version="1.0" encoding="utf-8"?>
+<file path=ppt/slides/slide43.xml><?xml version="1.0" encoding="utf-8"?>
 <p:sld xmlns:a="http://schemas.openxmlformats.org/drawingml/2006/main" xmlns:r="http://schemas.openxmlformats.org/officeDocument/2006/relationships" xmlns:p="http://schemas.openxmlformats.org/presentationml/2006/main">
   <p:cSld>
     <p:spTree>
@@ -23412,112 +23870,7 @@
 </p:sld>
 </file>
 
-<file path=ppt/slides/slide4.xml><?xml version="1.0" encoding="utf-8"?>
-<p:sld xmlns:a="http://schemas.openxmlformats.org/drawingml/2006/main" xmlns:r="http://schemas.openxmlformats.org/officeDocument/2006/relationships" xmlns:p="http://schemas.openxmlformats.org/presentationml/2006/main">
-  <p:cSld>
-    <p:spTree>
-      <p:nvGrpSpPr>
-        <p:cNvPr id="1" name=""/>
-        <p:cNvGrpSpPr/>
-        <p:nvPr/>
-      </p:nvGrpSpPr>
-      <p:grpSpPr>
-        <a:xfrm>
-          <a:off x="0" y="0"/>
-          <a:ext cx="0" cy="0"/>
-          <a:chOff x="0" y="0"/>
-          <a:chExt cx="0" cy="0"/>
-        </a:xfrm>
-      </p:grpSpPr>
-      <p:sp>
-        <p:nvSpPr>
-          <p:cNvPr id="2" name="Title 1">
-            <a:extLst>
-              <a:ext uri="{FF2B5EF4-FFF2-40B4-BE49-F238E27FC236}">
-                <a16:creationId xmlns:a16="http://schemas.microsoft.com/office/drawing/2014/main" id="{C4FC0739-1B4C-41A2-9E5C-4F460F64615D}"/>
-              </a:ext>
-            </a:extLst>
-          </p:cNvPr>
-          <p:cNvSpPr>
-            <a:spLocks noGrp="1"/>
-          </p:cNvSpPr>
-          <p:nvPr>
-            <p:ph type="title"/>
-          </p:nvPr>
-        </p:nvSpPr>
-        <p:spPr/>
-        <p:txBody>
-          <a:bodyPr/>
-          <a:lstStyle/>
-          <a:p>
-            <a:r>
-              <a:rPr lang="en-US" b="1" dirty="0"/>
-              <a:t>Step 1 : Define your audience</a:t>
-            </a:r>
-            <a:endParaRPr lang="en-NZ" b="1" dirty="0"/>
-          </a:p>
-        </p:txBody>
-      </p:sp>
-      <p:sp>
-        <p:nvSpPr>
-          <p:cNvPr id="3" name="Content Placeholder 2">
-            <a:extLst>
-              <a:ext uri="{FF2B5EF4-FFF2-40B4-BE49-F238E27FC236}">
-                <a16:creationId xmlns:a16="http://schemas.microsoft.com/office/drawing/2014/main" id="{AB4F1B8E-5A02-4D36-9853-855200D60C1F}"/>
-              </a:ext>
-            </a:extLst>
-          </p:cNvPr>
-          <p:cNvSpPr>
-            <a:spLocks noGrp="1"/>
-          </p:cNvSpPr>
-          <p:nvPr>
-            <p:ph idx="1"/>
-          </p:nvPr>
-        </p:nvSpPr>
-        <p:spPr/>
-        <p:txBody>
-          <a:bodyPr/>
-          <a:lstStyle/>
-          <a:p>
-            <a:r>
-              <a:rPr lang="en-US" dirty="0"/>
-              <a:t>Who is your target audience?</a:t>
-            </a:r>
-          </a:p>
-          <a:p>
-            <a:endParaRPr lang="en-US" dirty="0"/>
-          </a:p>
-          <a:p>
-            <a:endParaRPr lang="en-US" dirty="0"/>
-          </a:p>
-          <a:p>
-            <a:r>
-              <a:rPr lang="en-US" dirty="0"/>
-              <a:t>How are they most likely going to be viewing your GUI?</a:t>
-            </a:r>
-          </a:p>
-          <a:p>
-            <a:endParaRPr lang="en-US" dirty="0"/>
-          </a:p>
-          <a:p>
-            <a:endParaRPr lang="en-US" dirty="0"/>
-          </a:p>
-        </p:txBody>
-      </p:sp>
-    </p:spTree>
-    <p:extLst>
-      <p:ext uri="{BB962C8B-B14F-4D97-AF65-F5344CB8AC3E}">
-        <p14:creationId xmlns:p14="http://schemas.microsoft.com/office/powerpoint/2010/main" val="2271057856"/>
-      </p:ext>
-    </p:extLst>
-  </p:cSld>
-  <p:clrMapOvr>
-    <a:masterClrMapping/>
-  </p:clrMapOvr>
-</p:sld>
-</file>
-
-<file path=ppt/slides/slide40.xml><?xml version="1.0" encoding="utf-8"?>
+<file path=ppt/slides/slide44.xml><?xml version="1.0" encoding="utf-8"?>
 <p:sld xmlns:a="http://schemas.openxmlformats.org/drawingml/2006/main" xmlns:r="http://schemas.openxmlformats.org/officeDocument/2006/relationships" xmlns:p="http://schemas.openxmlformats.org/presentationml/2006/main">
   <p:cSld>
     <p:spTree>
@@ -23609,7 +23962,7 @@
 </p:sld>
 </file>
 
-<file path=ppt/slides/slide41.xml><?xml version="1.0" encoding="utf-8"?>
+<file path=ppt/slides/slide45.xml><?xml version="1.0" encoding="utf-8"?>
 <p:sld xmlns:a="http://schemas.openxmlformats.org/drawingml/2006/main" xmlns:r="http://schemas.openxmlformats.org/officeDocument/2006/relationships" xmlns:p="http://schemas.openxmlformats.org/presentationml/2006/main">
   <p:cSld>
     <p:spTree>
@@ -23693,7 +24046,7 @@
 </p:sld>
 </file>
 
-<file path=ppt/slides/slide42.xml><?xml version="1.0" encoding="utf-8"?>
+<file path=ppt/slides/slide46.xml><?xml version="1.0" encoding="utf-8"?>
 <p:sld xmlns:a="http://schemas.openxmlformats.org/drawingml/2006/main" xmlns:r="http://schemas.openxmlformats.org/officeDocument/2006/relationships" xmlns:p="http://schemas.openxmlformats.org/presentationml/2006/main">
   <p:cSld>
     <p:spTree>
@@ -23777,7 +24130,7 @@
 </p:sld>
 </file>
 
-<file path=ppt/slides/slide43.xml><?xml version="1.0" encoding="utf-8"?>
+<file path=ppt/slides/slide47.xml><?xml version="1.0" encoding="utf-8"?>
 <p:sld xmlns:a="http://schemas.openxmlformats.org/drawingml/2006/main" xmlns:r="http://schemas.openxmlformats.org/officeDocument/2006/relationships" xmlns:p="http://schemas.openxmlformats.org/presentationml/2006/main">
   <p:cSld>
     <p:bg>
@@ -23810,7 +24163,7 @@
                 <a16:creationId xmlns:a16="http://schemas.microsoft.com/office/drawing/2014/main" id="{39E4C68A-A4A9-48A4-9FF2-D2896B1EA01F}"/>
               </a:ext>
               <a:ext uri="{C183D7F6-B498-43B3-948B-1728B52AA6E4}">
-                <adec:decorative xmlns:adec="http://schemas.microsoft.com/office/drawing/2017/decorative" val="1"/>
+                <adec:decorative xmlns:adec="http://schemas.microsoft.com/office/drawing/2017/decorative" xmlns="" val="1"/>
               </a:ext>
             </a:extLst>
           </p:cNvPr>
@@ -23870,7 +24223,7 @@
                 <a16:creationId xmlns:a16="http://schemas.microsoft.com/office/drawing/2014/main" id="{E2B9AEA5-52CB-49A6-AF8A-33502F291B91}"/>
               </a:ext>
               <a:ext uri="{C183D7F6-B498-43B3-948B-1728B52AA6E4}">
-                <adec:decorative xmlns:adec="http://schemas.microsoft.com/office/drawing/2017/decorative" val="1"/>
+                <adec:decorative xmlns:adec="http://schemas.microsoft.com/office/drawing/2017/decorative" xmlns="" val="1"/>
               </a:ext>
             </a:extLst>
           </p:cNvPr>
@@ -24027,7 +24380,7 @@
 </p:sld>
 </file>
 
-<file path=ppt/slides/slide44.xml><?xml version="1.0" encoding="utf-8"?>
+<file path=ppt/slides/slide48.xml><?xml version="1.0" encoding="utf-8"?>
 <p:sld xmlns:a="http://schemas.openxmlformats.org/drawingml/2006/main" xmlns:r="http://schemas.openxmlformats.org/officeDocument/2006/relationships" xmlns:p="http://schemas.openxmlformats.org/presentationml/2006/main">
   <p:cSld>
     <p:spTree>
@@ -24137,7 +24490,7 @@
 </p:sld>
 </file>
 
-<file path=ppt/slides/slide45.xml><?xml version="1.0" encoding="utf-8"?>
+<file path=ppt/slides/slide49.xml><?xml version="1.0" encoding="utf-8"?>
 <p:sld xmlns:a="http://schemas.openxmlformats.org/drawingml/2006/main" xmlns:r="http://schemas.openxmlformats.org/officeDocument/2006/relationships" xmlns:p="http://schemas.openxmlformats.org/presentationml/2006/main">
   <p:cSld>
     <p:spTree>
@@ -24240,6 +24593,463 @@
 </file>
 
 <file path=ppt/slides/slide5.xml><?xml version="1.0" encoding="utf-8"?>
+<p:sld xmlns:a="http://schemas.openxmlformats.org/drawingml/2006/main" xmlns:r="http://schemas.openxmlformats.org/officeDocument/2006/relationships" xmlns:p="http://schemas.openxmlformats.org/presentationml/2006/main">
+  <p:cSld>
+    <p:spTree>
+      <p:nvGrpSpPr>
+        <p:cNvPr id="1" name=""/>
+        <p:cNvGrpSpPr/>
+        <p:nvPr/>
+      </p:nvGrpSpPr>
+      <p:grpSpPr>
+        <a:xfrm>
+          <a:off x="0" y="0"/>
+          <a:ext cx="0" cy="0"/>
+          <a:chOff x="0" y="0"/>
+          <a:chExt cx="0" cy="0"/>
+        </a:xfrm>
+      </p:grpSpPr>
+      <p:sp>
+        <p:nvSpPr>
+          <p:cNvPr id="2" name="Title 1"/>
+          <p:cNvSpPr>
+            <a:spLocks noGrp="1"/>
+          </p:cNvSpPr>
+          <p:nvPr>
+            <p:ph type="title"/>
+          </p:nvPr>
+        </p:nvSpPr>
+        <p:spPr/>
+        <p:txBody>
+          <a:bodyPr/>
+          <a:lstStyle/>
+          <a:p>
+            <a:r>
+              <a:rPr lang="en-GB" dirty="0" smtClean="0"/>
+              <a:t>Implication - Functionality</a:t>
+            </a:r>
+            <a:endParaRPr lang="en-GB" dirty="0"/>
+          </a:p>
+        </p:txBody>
+      </p:sp>
+      <p:sp>
+        <p:nvSpPr>
+          <p:cNvPr id="3" name="Content Placeholder 2"/>
+          <p:cNvSpPr>
+            <a:spLocks noGrp="1"/>
+          </p:cNvSpPr>
+          <p:nvPr>
+            <p:ph idx="1"/>
+          </p:nvPr>
+        </p:nvSpPr>
+        <p:spPr/>
+        <p:txBody>
+          <a:bodyPr/>
+          <a:lstStyle/>
+          <a:p>
+            <a:r>
+              <a:rPr lang="en-US" dirty="0"/>
+              <a:t>Functionality </a:t>
+            </a:r>
+            <a:r>
+              <a:rPr lang="en-US" dirty="0" smtClean="0"/>
+              <a:t>– Ensuring that a website performs its specified task and adding extra options to make users lives easier.</a:t>
+            </a:r>
+          </a:p>
+          <a:p>
+            <a:endParaRPr lang="en-US" dirty="0"/>
+          </a:p>
+          <a:p>
+            <a:r>
+              <a:rPr lang="en-US" sz="2400" dirty="0" smtClean="0"/>
+              <a:t>All </a:t>
+            </a:r>
+            <a:r>
+              <a:rPr lang="en-US" sz="2400" dirty="0"/>
+              <a:t>elements should work as intended and the site should be bug free and work without issues as to avoid turning users away. The site should work regardless of what web browser the user is using. In addition all data should be validated and </a:t>
+            </a:r>
+            <a:r>
+              <a:rPr lang="en-US" sz="2400" dirty="0" smtClean="0"/>
+              <a:t>checked, using patterns and other checks, </a:t>
+            </a:r>
+            <a:r>
+              <a:rPr lang="en-US" sz="2400" dirty="0"/>
+              <a:t>before being sent to the data base.</a:t>
+            </a:r>
+          </a:p>
+          <a:p>
+            <a:endParaRPr lang="en-GB" dirty="0"/>
+          </a:p>
+        </p:txBody>
+      </p:sp>
+    </p:spTree>
+    <p:extLst>
+      <p:ext uri="{BB962C8B-B14F-4D97-AF65-F5344CB8AC3E}">
+        <p14:creationId xmlns:p14="http://schemas.microsoft.com/office/powerpoint/2010/main" val="3590082211"/>
+      </p:ext>
+    </p:extLst>
+  </p:cSld>
+  <p:clrMapOvr>
+    <a:masterClrMapping/>
+  </p:clrMapOvr>
+</p:sld>
+</file>
+
+<file path=ppt/slides/slide6.xml><?xml version="1.0" encoding="utf-8"?>
+<p:sld xmlns:a="http://schemas.openxmlformats.org/drawingml/2006/main" xmlns:r="http://schemas.openxmlformats.org/officeDocument/2006/relationships" xmlns:p="http://schemas.openxmlformats.org/presentationml/2006/main">
+  <p:cSld>
+    <p:spTree>
+      <p:nvGrpSpPr>
+        <p:cNvPr id="1" name=""/>
+        <p:cNvGrpSpPr/>
+        <p:nvPr/>
+      </p:nvGrpSpPr>
+      <p:grpSpPr>
+        <a:xfrm>
+          <a:off x="0" y="0"/>
+          <a:ext cx="0" cy="0"/>
+          <a:chOff x="0" y="0"/>
+          <a:chExt cx="0" cy="0"/>
+        </a:xfrm>
+      </p:grpSpPr>
+      <p:sp>
+        <p:nvSpPr>
+          <p:cNvPr id="2" name="Title 1"/>
+          <p:cNvSpPr>
+            <a:spLocks noGrp="1"/>
+          </p:cNvSpPr>
+          <p:nvPr>
+            <p:ph type="title"/>
+          </p:nvPr>
+        </p:nvSpPr>
+        <p:spPr/>
+        <p:txBody>
+          <a:bodyPr/>
+          <a:lstStyle/>
+          <a:p>
+            <a:r>
+              <a:rPr lang="en-GB" dirty="0" smtClean="0"/>
+              <a:t>Implication - usability</a:t>
+            </a:r>
+            <a:endParaRPr lang="en-GB" dirty="0"/>
+          </a:p>
+        </p:txBody>
+      </p:sp>
+      <p:sp>
+        <p:nvSpPr>
+          <p:cNvPr id="3" name="Content Placeholder 2"/>
+          <p:cNvSpPr>
+            <a:spLocks noGrp="1"/>
+          </p:cNvSpPr>
+          <p:nvPr>
+            <p:ph idx="1"/>
+          </p:nvPr>
+        </p:nvSpPr>
+        <p:spPr/>
+        <p:txBody>
+          <a:bodyPr/>
+          <a:lstStyle/>
+          <a:p>
+            <a:r>
+              <a:rPr lang="en-US" dirty="0"/>
+              <a:t>Usability </a:t>
+            </a:r>
+            <a:r>
+              <a:rPr lang="en-US" dirty="0" smtClean="0"/>
+              <a:t>– How easy the user is able to interact with the website and preventing the user from inputting erroneous data</a:t>
+            </a:r>
+          </a:p>
+          <a:p>
+            <a:endParaRPr lang="en-US" dirty="0"/>
+          </a:p>
+          <a:p>
+            <a:r>
+              <a:rPr lang="en-US" sz="2400" dirty="0" smtClean="0"/>
+              <a:t>Users </a:t>
+            </a:r>
+            <a:r>
+              <a:rPr lang="en-US" sz="2400" dirty="0"/>
+              <a:t>should have no difficulty pressing buttons or filling in input fields and all types of devices should be able to use the website effectively by using media queries to resize the website to better allow the user to see elements on the website. The step by step form should be used with submit buttons and allowing the user to go back to change their settings</a:t>
+            </a:r>
+            <a:r>
+              <a:rPr lang="en-US" sz="2400" dirty="0" smtClean="0"/>
+              <a:t>. Users should not be able to add information that should not be added such as phone numbers in first name inputs.</a:t>
+            </a:r>
+            <a:endParaRPr lang="en-NZ" sz="2400" dirty="0"/>
+          </a:p>
+          <a:p>
+            <a:endParaRPr lang="en-GB" dirty="0"/>
+          </a:p>
+        </p:txBody>
+      </p:sp>
+    </p:spTree>
+    <p:extLst>
+      <p:ext uri="{BB962C8B-B14F-4D97-AF65-F5344CB8AC3E}">
+        <p14:creationId xmlns:p14="http://schemas.microsoft.com/office/powerpoint/2010/main" val="2421636751"/>
+      </p:ext>
+    </p:extLst>
+  </p:cSld>
+  <p:clrMapOvr>
+    <a:masterClrMapping/>
+  </p:clrMapOvr>
+</p:sld>
+</file>
+
+<file path=ppt/slides/slide7.xml><?xml version="1.0" encoding="utf-8"?>
+<p:sld xmlns:a="http://schemas.openxmlformats.org/drawingml/2006/main" xmlns:r="http://schemas.openxmlformats.org/officeDocument/2006/relationships" xmlns:p="http://schemas.openxmlformats.org/presentationml/2006/main">
+  <p:cSld>
+    <p:spTree>
+      <p:nvGrpSpPr>
+        <p:cNvPr id="1" name=""/>
+        <p:cNvGrpSpPr/>
+        <p:nvPr/>
+      </p:nvGrpSpPr>
+      <p:grpSpPr>
+        <a:xfrm>
+          <a:off x="0" y="0"/>
+          <a:ext cx="0" cy="0"/>
+          <a:chOff x="0" y="0"/>
+          <a:chExt cx="0" cy="0"/>
+        </a:xfrm>
+      </p:grpSpPr>
+      <p:sp>
+        <p:nvSpPr>
+          <p:cNvPr id="2" name="Title 1">
+            <a:extLst>
+              <a:ext uri="{FF2B5EF4-FFF2-40B4-BE49-F238E27FC236}">
+                <a16:creationId xmlns:a16="http://schemas.microsoft.com/office/drawing/2014/main" id="{C4FC0739-1B4C-41A2-9E5C-4F460F64615D}"/>
+              </a:ext>
+            </a:extLst>
+          </p:cNvPr>
+          <p:cNvSpPr>
+            <a:spLocks noGrp="1"/>
+          </p:cNvSpPr>
+          <p:nvPr>
+            <p:ph type="title"/>
+          </p:nvPr>
+        </p:nvSpPr>
+        <p:spPr/>
+        <p:txBody>
+          <a:bodyPr/>
+          <a:lstStyle/>
+          <a:p>
+            <a:r>
+              <a:rPr lang="en-US" b="1" dirty="0"/>
+              <a:t>Step 1 : Define your audience</a:t>
+            </a:r>
+            <a:endParaRPr lang="en-NZ" b="1" dirty="0"/>
+          </a:p>
+        </p:txBody>
+      </p:sp>
+      <p:sp>
+        <p:nvSpPr>
+          <p:cNvPr id="3" name="Content Placeholder 2">
+            <a:extLst>
+              <a:ext uri="{FF2B5EF4-FFF2-40B4-BE49-F238E27FC236}">
+                <a16:creationId xmlns:a16="http://schemas.microsoft.com/office/drawing/2014/main" id="{AB4F1B8E-5A02-4D36-9853-855200D60C1F}"/>
+              </a:ext>
+            </a:extLst>
+          </p:cNvPr>
+          <p:cNvSpPr>
+            <a:spLocks noGrp="1"/>
+          </p:cNvSpPr>
+          <p:nvPr>
+            <p:ph idx="1"/>
+          </p:nvPr>
+        </p:nvSpPr>
+        <p:spPr/>
+        <p:txBody>
+          <a:bodyPr/>
+          <a:lstStyle/>
+          <a:p>
+            <a:r>
+              <a:rPr lang="en-US" dirty="0"/>
+              <a:t>Who is your target audience?</a:t>
+            </a:r>
+          </a:p>
+          <a:p>
+            <a:r>
+              <a:rPr lang="en-US" sz="2400" dirty="0" smtClean="0"/>
+              <a:t>The target audience will largely be tourists who are looking to rent a car and thus the majority will not be from Dunedin and may be from overseas. The audience must be older than 25 so that they can book the car however they will most likely be younger than 50. Other users may be parents looking to book a hire car for a family and may require extras such as a booster seat.</a:t>
+            </a:r>
+          </a:p>
+          <a:p>
+            <a:endParaRPr lang="en-US" dirty="0"/>
+          </a:p>
+          <a:p>
+            <a:endParaRPr lang="en-US" dirty="0"/>
+          </a:p>
+        </p:txBody>
+      </p:sp>
+    </p:spTree>
+    <p:extLst>
+      <p:ext uri="{BB962C8B-B14F-4D97-AF65-F5344CB8AC3E}">
+        <p14:creationId xmlns:p14="http://schemas.microsoft.com/office/powerpoint/2010/main" val="2271057856"/>
+      </p:ext>
+    </p:extLst>
+  </p:cSld>
+  <p:clrMapOvr>
+    <a:masterClrMapping/>
+  </p:clrMapOvr>
+</p:sld>
+</file>
+
+<file path=ppt/slides/slide8.xml><?xml version="1.0" encoding="utf-8"?>
+<p:sld xmlns:a="http://schemas.openxmlformats.org/drawingml/2006/main" xmlns:r="http://schemas.openxmlformats.org/officeDocument/2006/relationships" xmlns:p="http://schemas.openxmlformats.org/presentationml/2006/main">
+  <p:cSld>
+    <p:spTree>
+      <p:nvGrpSpPr>
+        <p:cNvPr id="1" name=""/>
+        <p:cNvGrpSpPr/>
+        <p:nvPr/>
+      </p:nvGrpSpPr>
+      <p:grpSpPr>
+        <a:xfrm>
+          <a:off x="0" y="0"/>
+          <a:ext cx="0" cy="0"/>
+          <a:chOff x="0" y="0"/>
+          <a:chExt cx="0" cy="0"/>
+        </a:xfrm>
+      </p:grpSpPr>
+      <p:sp>
+        <p:nvSpPr>
+          <p:cNvPr id="2" name="Title 1"/>
+          <p:cNvSpPr>
+            <a:spLocks noGrp="1"/>
+          </p:cNvSpPr>
+          <p:nvPr>
+            <p:ph type="title"/>
+          </p:nvPr>
+        </p:nvSpPr>
+        <p:spPr/>
+        <p:txBody>
+          <a:bodyPr/>
+          <a:lstStyle/>
+          <a:p>
+            <a:r>
+              <a:rPr lang="en-GB" dirty="0" smtClean="0"/>
+              <a:t>Users accessing the site</a:t>
+            </a:r>
+            <a:endParaRPr lang="en-GB" dirty="0"/>
+          </a:p>
+        </p:txBody>
+      </p:sp>
+      <p:sp>
+        <p:nvSpPr>
+          <p:cNvPr id="3" name="Content Placeholder 2"/>
+          <p:cNvSpPr>
+            <a:spLocks noGrp="1"/>
+          </p:cNvSpPr>
+          <p:nvPr>
+            <p:ph idx="1"/>
+          </p:nvPr>
+        </p:nvSpPr>
+        <p:spPr/>
+        <p:txBody>
+          <a:bodyPr>
+            <a:normAutofit/>
+          </a:bodyPr>
+          <a:lstStyle/>
+          <a:p>
+            <a:r>
+              <a:rPr lang="en-US" sz="1800" dirty="0"/>
+              <a:t>How are they most likely going to be viewing your GUI</a:t>
+            </a:r>
+            <a:r>
+              <a:rPr lang="en-US" sz="1800" dirty="0" smtClean="0"/>
+              <a:t>?</a:t>
+            </a:r>
+          </a:p>
+          <a:p>
+            <a:pPr marL="0" indent="0">
+              <a:buNone/>
+            </a:pPr>
+            <a:r>
+              <a:rPr lang="en-US" sz="1800" dirty="0" smtClean="0"/>
+              <a:t>50% of users use their mobile phone to access the internet while 46% use desktop and 4% use a tablet</a:t>
+            </a:r>
+          </a:p>
+          <a:p>
+            <a:pPr marL="0" indent="0">
+              <a:buNone/>
+            </a:pPr>
+            <a:r>
+              <a:rPr lang="en-GB" sz="1800" dirty="0"/>
+              <a:t>The majority will be accessing the site using a mobile phone, 60% will be using Chrome while 25% will be on Safari.</a:t>
+            </a:r>
+          </a:p>
+          <a:p>
+            <a:pPr marL="0" indent="0">
+              <a:buNone/>
+            </a:pPr>
+            <a:r>
+              <a:rPr lang="en-US" sz="1800" dirty="0" smtClean="0"/>
+              <a:t>Almost the same amount of people as mobile </a:t>
+            </a:r>
+            <a:r>
+              <a:rPr lang="en-US" sz="1800" dirty="0"/>
+              <a:t>will be using a desktop computer – according to </a:t>
+            </a:r>
+            <a:r>
+              <a:rPr lang="en-GB" sz="1800" dirty="0">
+                <a:hlinkClick r:id="rId2"/>
+              </a:rPr>
+              <a:t>https://gs.statcounter.com/browser-market-share/desktop/worldwide</a:t>
+            </a:r>
+            <a:r>
+              <a:rPr lang="en-GB" sz="1800" dirty="0"/>
+              <a:t> around 70% will be using </a:t>
+            </a:r>
+            <a:r>
+              <a:rPr lang="en-GB" sz="1800" dirty="0" smtClean="0"/>
+              <a:t>Chrome with both Safari and Firefox taking up 10%.</a:t>
+            </a:r>
+            <a:endParaRPr lang="en-GB" sz="1800" dirty="0"/>
+          </a:p>
+          <a:p>
+            <a:pPr marL="0" indent="0">
+              <a:buNone/>
+            </a:pPr>
+            <a:r>
+              <a:rPr lang="en-GB" sz="1800" dirty="0" smtClean="0"/>
+              <a:t>Some users may also be using a tablet with almost 50% of these using Safari as their primary browser while Chrome has a 35% user rate on tablet.</a:t>
+            </a:r>
+          </a:p>
+          <a:p>
+            <a:pPr marL="0" indent="0">
+              <a:buNone/>
+            </a:pPr>
+            <a:r>
+              <a:rPr lang="en-GB" sz="1800" dirty="0" smtClean="0"/>
+              <a:t>Therefore, both chrome and safari are the majority for browser usage with other browsers such as Firefox and Opera also seeing a small percent of usage.</a:t>
+            </a:r>
+            <a:endParaRPr lang="en-GB" sz="1800" dirty="0"/>
+          </a:p>
+          <a:p>
+            <a:pPr marL="0" indent="0">
+              <a:buNone/>
+            </a:pPr>
+            <a:endParaRPr lang="en-US" sz="1800" dirty="0"/>
+          </a:p>
+          <a:p>
+            <a:endParaRPr lang="en-GB" sz="1800" dirty="0"/>
+          </a:p>
+        </p:txBody>
+      </p:sp>
+    </p:spTree>
+    <p:extLst>
+      <p:ext uri="{BB962C8B-B14F-4D97-AF65-F5344CB8AC3E}">
+        <p14:creationId xmlns:p14="http://schemas.microsoft.com/office/powerpoint/2010/main" val="1202391570"/>
+      </p:ext>
+    </p:extLst>
+  </p:cSld>
+  <p:clrMapOvr>
+    <a:masterClrMapping/>
+  </p:clrMapOvr>
+</p:sld>
+</file>
+
+<file path=ppt/slides/slide9.xml><?xml version="1.0" encoding="utf-8"?>
 <p:sld xmlns:a="http://schemas.openxmlformats.org/drawingml/2006/main" xmlns:r="http://schemas.openxmlformats.org/officeDocument/2006/relationships" xmlns:p="http://schemas.openxmlformats.org/presentationml/2006/main">
   <p:cSld>
     <p:spTree>
@@ -24392,341 +25202,6 @@
     <p:extLst>
       <p:ext uri="{BB962C8B-B14F-4D97-AF65-F5344CB8AC3E}">
         <p14:creationId xmlns:p14="http://schemas.microsoft.com/office/powerpoint/2010/main" val="1893268549"/>
-      </p:ext>
-    </p:extLst>
-  </p:cSld>
-  <p:clrMapOvr>
-    <a:masterClrMapping/>
-  </p:clrMapOvr>
-</p:sld>
-</file>
-
-<file path=ppt/slides/slide6.xml><?xml version="1.0" encoding="utf-8"?>
-<p:sld xmlns:a="http://schemas.openxmlformats.org/drawingml/2006/main" xmlns:r="http://schemas.openxmlformats.org/officeDocument/2006/relationships" xmlns:p="http://schemas.openxmlformats.org/presentationml/2006/main">
-  <p:cSld>
-    <p:spTree>
-      <p:nvGrpSpPr>
-        <p:cNvPr id="1" name=""/>
-        <p:cNvGrpSpPr/>
-        <p:nvPr/>
-      </p:nvGrpSpPr>
-      <p:grpSpPr>
-        <a:xfrm>
-          <a:off x="0" y="0"/>
-          <a:ext cx="0" cy="0"/>
-          <a:chOff x="0" y="0"/>
-          <a:chExt cx="0" cy="0"/>
-        </a:xfrm>
-      </p:grpSpPr>
-      <p:sp>
-        <p:nvSpPr>
-          <p:cNvPr id="2" name="Title 1">
-            <a:extLst>
-              <a:ext uri="{FF2B5EF4-FFF2-40B4-BE49-F238E27FC236}">
-                <a16:creationId xmlns:a16="http://schemas.microsoft.com/office/drawing/2014/main" id="{2D7C484E-E985-4173-AC0F-AC46CC409D1E}"/>
-              </a:ext>
-            </a:extLst>
-          </p:cNvPr>
-          <p:cNvSpPr>
-            <a:spLocks noGrp="1"/>
-          </p:cNvSpPr>
-          <p:nvPr>
-            <p:ph type="title"/>
-          </p:nvPr>
-        </p:nvSpPr>
-        <p:spPr/>
-        <p:txBody>
-          <a:bodyPr/>
-          <a:lstStyle/>
-          <a:p>
-            <a:r>
-              <a:rPr lang="en-NZ" b="1" dirty="0"/>
-              <a:t>PROJECT MANAGEMENT TOOL: TRELLO</a:t>
-            </a:r>
-          </a:p>
-        </p:txBody>
-      </p:sp>
-      <p:sp>
-        <p:nvSpPr>
-          <p:cNvPr id="3" name="Content Placeholder 2">
-            <a:extLst>
-              <a:ext uri="{FF2B5EF4-FFF2-40B4-BE49-F238E27FC236}">
-                <a16:creationId xmlns:a16="http://schemas.microsoft.com/office/drawing/2014/main" id="{D30F3F0B-4FE5-4544-BDEB-B8B69A17CD26}"/>
-              </a:ext>
-            </a:extLst>
-          </p:cNvPr>
-          <p:cNvSpPr>
-            <a:spLocks noGrp="1"/>
-          </p:cNvSpPr>
-          <p:nvPr>
-            <p:ph idx="1"/>
-          </p:nvPr>
-        </p:nvSpPr>
-        <p:spPr/>
-        <p:txBody>
-          <a:bodyPr/>
-          <a:lstStyle/>
-          <a:p>
-            <a:endParaRPr lang="en-NZ"/>
-          </a:p>
-        </p:txBody>
-      </p:sp>
-    </p:spTree>
-    <p:extLst>
-      <p:ext uri="{BB962C8B-B14F-4D97-AF65-F5344CB8AC3E}">
-        <p14:creationId xmlns:p14="http://schemas.microsoft.com/office/powerpoint/2010/main" val="185506057"/>
-      </p:ext>
-    </p:extLst>
-  </p:cSld>
-  <p:clrMapOvr>
-    <a:masterClrMapping/>
-  </p:clrMapOvr>
-</p:sld>
-</file>
-
-<file path=ppt/slides/slide7.xml><?xml version="1.0" encoding="utf-8"?>
-<p:sld xmlns:a="http://schemas.openxmlformats.org/drawingml/2006/main" xmlns:r="http://schemas.openxmlformats.org/officeDocument/2006/relationships" xmlns:p="http://schemas.openxmlformats.org/presentationml/2006/main">
-  <p:cSld>
-    <p:spTree>
-      <p:nvGrpSpPr>
-        <p:cNvPr id="1" name=""/>
-        <p:cNvGrpSpPr/>
-        <p:nvPr/>
-      </p:nvGrpSpPr>
-      <p:grpSpPr>
-        <a:xfrm>
-          <a:off x="0" y="0"/>
-          <a:ext cx="0" cy="0"/>
-          <a:chOff x="0" y="0"/>
-          <a:chExt cx="0" cy="0"/>
-        </a:xfrm>
-      </p:grpSpPr>
-      <p:sp>
-        <p:nvSpPr>
-          <p:cNvPr id="2" name="Title 1">
-            <a:extLst>
-              <a:ext uri="{FF2B5EF4-FFF2-40B4-BE49-F238E27FC236}">
-                <a16:creationId xmlns:a16="http://schemas.microsoft.com/office/drawing/2014/main" id="{2D7C484E-E985-4173-AC0F-AC46CC409D1E}"/>
-              </a:ext>
-            </a:extLst>
-          </p:cNvPr>
-          <p:cNvSpPr>
-            <a:spLocks noGrp="1"/>
-          </p:cNvSpPr>
-          <p:nvPr>
-            <p:ph type="title"/>
-          </p:nvPr>
-        </p:nvSpPr>
-        <p:spPr/>
-        <p:txBody>
-          <a:bodyPr/>
-          <a:lstStyle/>
-          <a:p>
-            <a:r>
-              <a:rPr lang="en-NZ" b="1" dirty="0"/>
-              <a:t>PROJECT MANAGEMENT TOOL: TRELLO</a:t>
-            </a:r>
-          </a:p>
-        </p:txBody>
-      </p:sp>
-      <p:sp>
-        <p:nvSpPr>
-          <p:cNvPr id="3" name="Content Placeholder 2">
-            <a:extLst>
-              <a:ext uri="{FF2B5EF4-FFF2-40B4-BE49-F238E27FC236}">
-                <a16:creationId xmlns:a16="http://schemas.microsoft.com/office/drawing/2014/main" id="{D30F3F0B-4FE5-4544-BDEB-B8B69A17CD26}"/>
-              </a:ext>
-            </a:extLst>
-          </p:cNvPr>
-          <p:cNvSpPr>
-            <a:spLocks noGrp="1"/>
-          </p:cNvSpPr>
-          <p:nvPr>
-            <p:ph idx="1"/>
-          </p:nvPr>
-        </p:nvSpPr>
-        <p:spPr/>
-        <p:txBody>
-          <a:bodyPr/>
-          <a:lstStyle/>
-          <a:p>
-            <a:endParaRPr lang="en-NZ"/>
-          </a:p>
-        </p:txBody>
-      </p:sp>
-    </p:spTree>
-    <p:extLst>
-      <p:ext uri="{BB962C8B-B14F-4D97-AF65-F5344CB8AC3E}">
-        <p14:creationId xmlns:p14="http://schemas.microsoft.com/office/powerpoint/2010/main" val="51870952"/>
-      </p:ext>
-    </p:extLst>
-  </p:cSld>
-  <p:clrMapOvr>
-    <a:masterClrMapping/>
-  </p:clrMapOvr>
-</p:sld>
-</file>
-
-<file path=ppt/slides/slide8.xml><?xml version="1.0" encoding="utf-8"?>
-<p:sld xmlns:a="http://schemas.openxmlformats.org/drawingml/2006/main" xmlns:r="http://schemas.openxmlformats.org/officeDocument/2006/relationships" xmlns:p="http://schemas.openxmlformats.org/presentationml/2006/main">
-  <p:cSld>
-    <p:spTree>
-      <p:nvGrpSpPr>
-        <p:cNvPr id="1" name=""/>
-        <p:cNvGrpSpPr/>
-        <p:nvPr/>
-      </p:nvGrpSpPr>
-      <p:grpSpPr>
-        <a:xfrm>
-          <a:off x="0" y="0"/>
-          <a:ext cx="0" cy="0"/>
-          <a:chOff x="0" y="0"/>
-          <a:chExt cx="0" cy="0"/>
-        </a:xfrm>
-      </p:grpSpPr>
-      <p:sp>
-        <p:nvSpPr>
-          <p:cNvPr id="2" name="Title 1">
-            <a:extLst>
-              <a:ext uri="{FF2B5EF4-FFF2-40B4-BE49-F238E27FC236}">
-                <a16:creationId xmlns:a16="http://schemas.microsoft.com/office/drawing/2014/main" id="{2D7C484E-E985-4173-AC0F-AC46CC409D1E}"/>
-              </a:ext>
-            </a:extLst>
-          </p:cNvPr>
-          <p:cNvSpPr>
-            <a:spLocks noGrp="1"/>
-          </p:cNvSpPr>
-          <p:nvPr>
-            <p:ph type="title"/>
-          </p:nvPr>
-        </p:nvSpPr>
-        <p:spPr/>
-        <p:txBody>
-          <a:bodyPr/>
-          <a:lstStyle/>
-          <a:p>
-            <a:endParaRPr lang="en-NZ" b="1" dirty="0"/>
-          </a:p>
-        </p:txBody>
-      </p:sp>
-      <p:sp>
-        <p:nvSpPr>
-          <p:cNvPr id="3" name="Content Placeholder 2">
-            <a:extLst>
-              <a:ext uri="{FF2B5EF4-FFF2-40B4-BE49-F238E27FC236}">
-                <a16:creationId xmlns:a16="http://schemas.microsoft.com/office/drawing/2014/main" id="{D30F3F0B-4FE5-4544-BDEB-B8B69A17CD26}"/>
-              </a:ext>
-            </a:extLst>
-          </p:cNvPr>
-          <p:cNvSpPr>
-            <a:spLocks noGrp="1"/>
-          </p:cNvSpPr>
-          <p:nvPr>
-            <p:ph idx="1"/>
-          </p:nvPr>
-        </p:nvSpPr>
-        <p:spPr/>
-        <p:txBody>
-          <a:bodyPr/>
-          <a:lstStyle/>
-          <a:p>
-            <a:endParaRPr lang="en-NZ"/>
-          </a:p>
-        </p:txBody>
-      </p:sp>
-    </p:spTree>
-    <p:extLst>
-      <p:ext uri="{BB962C8B-B14F-4D97-AF65-F5344CB8AC3E}">
-        <p14:creationId xmlns:p14="http://schemas.microsoft.com/office/powerpoint/2010/main" val="771824255"/>
-      </p:ext>
-    </p:extLst>
-  </p:cSld>
-  <p:clrMapOvr>
-    <a:masterClrMapping/>
-  </p:clrMapOvr>
-</p:sld>
-</file>
-
-<file path=ppt/slides/slide9.xml><?xml version="1.0" encoding="utf-8"?>
-<p:sld xmlns:a="http://schemas.openxmlformats.org/drawingml/2006/main" xmlns:r="http://schemas.openxmlformats.org/officeDocument/2006/relationships" xmlns:p="http://schemas.openxmlformats.org/presentationml/2006/main">
-  <p:cSld>
-    <p:spTree>
-      <p:nvGrpSpPr>
-        <p:cNvPr id="1" name=""/>
-        <p:cNvGrpSpPr/>
-        <p:nvPr/>
-      </p:nvGrpSpPr>
-      <p:grpSpPr>
-        <a:xfrm>
-          <a:off x="0" y="0"/>
-          <a:ext cx="0" cy="0"/>
-          <a:chOff x="0" y="0"/>
-          <a:chExt cx="0" cy="0"/>
-        </a:xfrm>
-      </p:grpSpPr>
-      <p:sp>
-        <p:nvSpPr>
-          <p:cNvPr id="2" name="Title 1">
-            <a:extLst>
-              <a:ext uri="{FF2B5EF4-FFF2-40B4-BE49-F238E27FC236}">
-                <a16:creationId xmlns:a16="http://schemas.microsoft.com/office/drawing/2014/main" id="{16592DDA-3CDE-4D98-AA3D-36A77B4884E2}"/>
-              </a:ext>
-            </a:extLst>
-          </p:cNvPr>
-          <p:cNvSpPr>
-            <a:spLocks noGrp="1"/>
-          </p:cNvSpPr>
-          <p:nvPr>
-            <p:ph type="title"/>
-          </p:nvPr>
-        </p:nvSpPr>
-        <p:spPr>
-          <a:xfrm>
-            <a:off x="1024128" y="585216"/>
-            <a:ext cx="10184342" cy="1499616"/>
-          </a:xfrm>
-        </p:spPr>
-        <p:txBody>
-          <a:bodyPr/>
-          <a:lstStyle/>
-          <a:p>
-            <a:r>
-              <a:rPr lang="en-US" b="1" dirty="0"/>
-              <a:t>Step 2:Ideate (high fidelity wireframe)</a:t>
-            </a:r>
-            <a:endParaRPr lang="en-NZ" b="1" dirty="0"/>
-          </a:p>
-        </p:txBody>
-      </p:sp>
-      <p:sp>
-        <p:nvSpPr>
-          <p:cNvPr id="3" name="Content Placeholder 2">
-            <a:extLst>
-              <a:ext uri="{FF2B5EF4-FFF2-40B4-BE49-F238E27FC236}">
-                <a16:creationId xmlns:a16="http://schemas.microsoft.com/office/drawing/2014/main" id="{5E6F4721-4A1E-4841-99B8-571CA3074920}"/>
-              </a:ext>
-            </a:extLst>
-          </p:cNvPr>
-          <p:cNvSpPr>
-            <a:spLocks noGrp="1"/>
-          </p:cNvSpPr>
-          <p:nvPr>
-            <p:ph idx="1"/>
-          </p:nvPr>
-        </p:nvSpPr>
-        <p:spPr/>
-        <p:txBody>
-          <a:bodyPr/>
-          <a:lstStyle/>
-          <a:p>
-            <a:endParaRPr lang="en-NZ" dirty="0"/>
-          </a:p>
-        </p:txBody>
-      </p:sp>
-    </p:spTree>
-    <p:extLst>
-      <p:ext uri="{BB962C8B-B14F-4D97-AF65-F5344CB8AC3E}">
-        <p14:creationId xmlns:p14="http://schemas.microsoft.com/office/powerpoint/2010/main" val="2816204907"/>
       </p:ext>
     </p:extLst>
   </p:cSld>
